--- a/docpac_feb17/SQL Databases.pptx
+++ b/docpac_feb17/SQL Databases.pptx
@@ -19,6 +19,7 @@
     <p:sldId id="267" r:id="rId16"/>
     <p:sldId id="268" r:id="rId17"/>
     <p:sldId id="269" r:id="rId18"/>
+    <p:sldId id="270" r:id="rId19"/>
   </p:sldIdLst>
   <p:sldSz cx="12192000" cy="6858000"/>
   <p:notesSz cx="6858000" cy="9144000"/>
@@ -117,7 +118,132 @@
       </a:defRPr>
     </a:lvl9pPr>
   </p:defaultTextStyle>
+  <p:extLst>
+    <p:ext uri="{EFAFB233-063F-42B5-8137-9DF3F51BA10A}">
+      <p15:sldGuideLst xmlns:p15="http://schemas.microsoft.com/office/powerpoint/2012/main"/>
+    </p:ext>
+  </p:extLst>
 </p:presentation>
+</file>
+
+<file path=ppt/changesInfos/changesInfo1.xml><?xml version="1.0" encoding="utf-8"?>
+<pc:chgInfo xmlns:a="http://schemas.openxmlformats.org/drawingml/2006/main" xmlns:r="http://schemas.openxmlformats.org/officeDocument/2006/relationships" xmlns:ac="http://schemas.microsoft.com/office/drawing/2013/main/command" xmlns:pc="http://schemas.microsoft.com/office/powerpoint/2013/main/command">
+  <pc:docChgLst>
+    <pc:chgData name="Christopher Smith" userId="dd7fc2d5-9988-40ef-9498-c94fd49fd9a4" providerId="ADAL" clId="{F5995BA2-E7D5-4DD5-954D-5E7CC0059A2A}"/>
+    <pc:docChg chg="addSld modSld">
+      <pc:chgData name="Christopher Smith" userId="dd7fc2d5-9988-40ef-9498-c94fd49fd9a4" providerId="ADAL" clId="{F5995BA2-E7D5-4DD5-954D-5E7CC0059A2A}" dt="2022-02-16T14:23:21.013" v="15" actId="20577"/>
+      <pc:docMkLst>
+        <pc:docMk/>
+      </pc:docMkLst>
+      <pc:sldChg chg="modAnim">
+        <pc:chgData name="Christopher Smith" userId="dd7fc2d5-9988-40ef-9498-c94fd49fd9a4" providerId="ADAL" clId="{F5995BA2-E7D5-4DD5-954D-5E7CC0059A2A}" dt="2022-02-16T14:22:44.167" v="2"/>
+        <pc:sldMkLst>
+          <pc:docMk/>
+          <pc:sldMk cId="369898983" sldId="257"/>
+        </pc:sldMkLst>
+      </pc:sldChg>
+      <pc:sldChg chg="modAnim">
+        <pc:chgData name="Christopher Smith" userId="dd7fc2d5-9988-40ef-9498-c94fd49fd9a4" providerId="ADAL" clId="{F5995BA2-E7D5-4DD5-954D-5E7CC0059A2A}" dt="2022-02-16T14:22:40.732" v="0"/>
+        <pc:sldMkLst>
+          <pc:docMk/>
+          <pc:sldMk cId="4005164481" sldId="258"/>
+        </pc:sldMkLst>
+      </pc:sldChg>
+      <pc:sldChg chg="modAnim">
+        <pc:chgData name="Christopher Smith" userId="dd7fc2d5-9988-40ef-9498-c94fd49fd9a4" providerId="ADAL" clId="{F5995BA2-E7D5-4DD5-954D-5E7CC0059A2A}" dt="2022-02-16T14:22:42.545" v="1"/>
+        <pc:sldMkLst>
+          <pc:docMk/>
+          <pc:sldMk cId="3007771741" sldId="259"/>
+        </pc:sldMkLst>
+      </pc:sldChg>
+      <pc:sldChg chg="modAnim">
+        <pc:chgData name="Christopher Smith" userId="dd7fc2d5-9988-40ef-9498-c94fd49fd9a4" providerId="ADAL" clId="{F5995BA2-E7D5-4DD5-954D-5E7CC0059A2A}" dt="2022-02-16T14:22:59.604" v="6"/>
+        <pc:sldMkLst>
+          <pc:docMk/>
+          <pc:sldMk cId="3037516811" sldId="260"/>
+        </pc:sldMkLst>
+      </pc:sldChg>
+      <pc:sldChg chg="modAnim">
+        <pc:chgData name="Christopher Smith" userId="dd7fc2d5-9988-40ef-9498-c94fd49fd9a4" providerId="ADAL" clId="{F5995BA2-E7D5-4DD5-954D-5E7CC0059A2A}" dt="2022-02-16T14:22:57.390" v="5"/>
+        <pc:sldMkLst>
+          <pc:docMk/>
+          <pc:sldMk cId="3925930056" sldId="261"/>
+        </pc:sldMkLst>
+      </pc:sldChg>
+      <pc:sldChg chg="modAnim">
+        <pc:chgData name="Christopher Smith" userId="dd7fc2d5-9988-40ef-9498-c94fd49fd9a4" providerId="ADAL" clId="{F5995BA2-E7D5-4DD5-954D-5E7CC0059A2A}" dt="2022-02-16T14:22:52.281" v="3"/>
+        <pc:sldMkLst>
+          <pc:docMk/>
+          <pc:sldMk cId="1929555943" sldId="262"/>
+        </pc:sldMkLst>
+      </pc:sldChg>
+      <pc:sldChg chg="modAnim">
+        <pc:chgData name="Christopher Smith" userId="dd7fc2d5-9988-40ef-9498-c94fd49fd9a4" providerId="ADAL" clId="{F5995BA2-E7D5-4DD5-954D-5E7CC0059A2A}" dt="2022-02-16T14:23:02.890" v="7"/>
+        <pc:sldMkLst>
+          <pc:docMk/>
+          <pc:sldMk cId="4014590635" sldId="263"/>
+        </pc:sldMkLst>
+      </pc:sldChg>
+      <pc:sldChg chg="modAnim">
+        <pc:chgData name="Christopher Smith" userId="dd7fc2d5-9988-40ef-9498-c94fd49fd9a4" providerId="ADAL" clId="{F5995BA2-E7D5-4DD5-954D-5E7CC0059A2A}" dt="2022-02-16T14:22:54.894" v="4"/>
+        <pc:sldMkLst>
+          <pc:docMk/>
+          <pc:sldMk cId="3476166602" sldId="264"/>
+        </pc:sldMkLst>
+      </pc:sldChg>
+      <pc:sldChg chg="modAnim">
+        <pc:chgData name="Christopher Smith" userId="dd7fc2d5-9988-40ef-9498-c94fd49fd9a4" providerId="ADAL" clId="{F5995BA2-E7D5-4DD5-954D-5E7CC0059A2A}" dt="2022-02-16T14:23:04.590" v="8"/>
+        <pc:sldMkLst>
+          <pc:docMk/>
+          <pc:sldMk cId="2034597053" sldId="265"/>
+        </pc:sldMkLst>
+      </pc:sldChg>
+      <pc:sldChg chg="modAnim">
+        <pc:chgData name="Christopher Smith" userId="dd7fc2d5-9988-40ef-9498-c94fd49fd9a4" providerId="ADAL" clId="{F5995BA2-E7D5-4DD5-954D-5E7CC0059A2A}" dt="2022-02-16T14:23:06.921" v="9"/>
+        <pc:sldMkLst>
+          <pc:docMk/>
+          <pc:sldMk cId="3428068439" sldId="266"/>
+        </pc:sldMkLst>
+      </pc:sldChg>
+      <pc:sldChg chg="modAnim">
+        <pc:chgData name="Christopher Smith" userId="dd7fc2d5-9988-40ef-9498-c94fd49fd9a4" providerId="ADAL" clId="{F5995BA2-E7D5-4DD5-954D-5E7CC0059A2A}" dt="2022-02-16T14:23:09.291" v="10"/>
+        <pc:sldMkLst>
+          <pc:docMk/>
+          <pc:sldMk cId="2840421043" sldId="267"/>
+        </pc:sldMkLst>
+      </pc:sldChg>
+      <pc:sldChg chg="modAnim">
+        <pc:chgData name="Christopher Smith" userId="dd7fc2d5-9988-40ef-9498-c94fd49fd9a4" providerId="ADAL" clId="{F5995BA2-E7D5-4DD5-954D-5E7CC0059A2A}" dt="2022-02-16T14:23:13.315" v="11"/>
+        <pc:sldMkLst>
+          <pc:docMk/>
+          <pc:sldMk cId="1637242727" sldId="268"/>
+        </pc:sldMkLst>
+      </pc:sldChg>
+      <pc:sldChg chg="modAnim">
+        <pc:chgData name="Christopher Smith" userId="dd7fc2d5-9988-40ef-9498-c94fd49fd9a4" providerId="ADAL" clId="{F5995BA2-E7D5-4DD5-954D-5E7CC0059A2A}" dt="2022-02-16T14:23:15.859" v="12"/>
+        <pc:sldMkLst>
+          <pc:docMk/>
+          <pc:sldMk cId="1968093434" sldId="269"/>
+        </pc:sldMkLst>
+      </pc:sldChg>
+      <pc:sldChg chg="modSp add">
+        <pc:chgData name="Christopher Smith" userId="dd7fc2d5-9988-40ef-9498-c94fd49fd9a4" providerId="ADAL" clId="{F5995BA2-E7D5-4DD5-954D-5E7CC0059A2A}" dt="2022-02-16T14:23:21.013" v="15" actId="20577"/>
+        <pc:sldMkLst>
+          <pc:docMk/>
+          <pc:sldMk cId="202395021" sldId="270"/>
+        </pc:sldMkLst>
+        <pc:spChg chg="mod">
+          <ac:chgData name="Christopher Smith" userId="dd7fc2d5-9988-40ef-9498-c94fd49fd9a4" providerId="ADAL" clId="{F5995BA2-E7D5-4DD5-954D-5E7CC0059A2A}" dt="2022-02-16T14:23:21.013" v="15" actId="20577"/>
+          <ac:spMkLst>
+            <pc:docMk/>
+            <pc:sldMk cId="202395021" sldId="270"/>
+            <ac:spMk id="2" creationId="{42C04505-FBC3-4A3D-99B2-D4FAE519C405}"/>
+          </ac:spMkLst>
+        </pc:spChg>
+      </pc:sldChg>
+    </pc:docChg>
+  </pc:docChgLst>
+</pc:chgInfo>
 </file>
 
 <file path=ppt/slideLayouts/slideLayout1.xml><?xml version="1.0" encoding="utf-8"?>
@@ -3521,6 +3647,333 @@
   <p:clrMapOvr>
     <a:masterClrMapping/>
   </p:clrMapOvr>
+  <p:timing>
+    <p:tnLst>
+      <p:par>
+        <p:cTn id="1" dur="indefinite" restart="never" nodeType="tmRoot">
+          <p:childTnLst>
+            <p:seq concurrent="1" nextAc="seek">
+              <p:cTn id="2" dur="indefinite" nodeType="mainSeq">
+                <p:childTnLst>
+                  <p:par>
+                    <p:cTn id="3" fill="hold">
+                      <p:stCondLst>
+                        <p:cond delay="indefinite"/>
+                      </p:stCondLst>
+                      <p:childTnLst>
+                        <p:par>
+                          <p:cTn id="4" fill="hold">
+                            <p:stCondLst>
+                              <p:cond delay="0"/>
+                            </p:stCondLst>
+                            <p:childTnLst>
+                              <p:par>
+                                <p:cTn id="5" presetID="1" presetClass="entr" presetSubtype="0" fill="hold" grpId="0" nodeType="clickEffect">
+                                  <p:stCondLst>
+                                    <p:cond delay="0"/>
+                                  </p:stCondLst>
+                                  <p:childTnLst>
+                                    <p:set>
+                                      <p:cBhvr>
+                                        <p:cTn id="6" dur="1" fill="hold">
+                                          <p:stCondLst>
+                                            <p:cond delay="0"/>
+                                          </p:stCondLst>
+                                        </p:cTn>
+                                        <p:tgtEl>
+                                          <p:spTgt spid="3">
+                                            <p:txEl>
+                                              <p:pRg st="0" end="0"/>
+                                            </p:txEl>
+                                          </p:spTgt>
+                                        </p:tgtEl>
+                                        <p:attrNameLst>
+                                          <p:attrName>style.visibility</p:attrName>
+                                        </p:attrNameLst>
+                                      </p:cBhvr>
+                                      <p:to>
+                                        <p:strVal val="visible"/>
+                                      </p:to>
+                                    </p:set>
+                                  </p:childTnLst>
+                                </p:cTn>
+                              </p:par>
+                            </p:childTnLst>
+                          </p:cTn>
+                        </p:par>
+                      </p:childTnLst>
+                    </p:cTn>
+                  </p:par>
+                  <p:par>
+                    <p:cTn id="7" fill="hold">
+                      <p:stCondLst>
+                        <p:cond delay="indefinite"/>
+                      </p:stCondLst>
+                      <p:childTnLst>
+                        <p:par>
+                          <p:cTn id="8" fill="hold">
+                            <p:stCondLst>
+                              <p:cond delay="0"/>
+                            </p:stCondLst>
+                            <p:childTnLst>
+                              <p:par>
+                                <p:cTn id="9" presetID="1" presetClass="entr" presetSubtype="0" fill="hold" grpId="0" nodeType="clickEffect">
+                                  <p:stCondLst>
+                                    <p:cond delay="0"/>
+                                  </p:stCondLst>
+                                  <p:childTnLst>
+                                    <p:set>
+                                      <p:cBhvr>
+                                        <p:cTn id="10" dur="1" fill="hold">
+                                          <p:stCondLst>
+                                            <p:cond delay="0"/>
+                                          </p:stCondLst>
+                                        </p:cTn>
+                                        <p:tgtEl>
+                                          <p:spTgt spid="3">
+                                            <p:txEl>
+                                              <p:pRg st="1" end="1"/>
+                                            </p:txEl>
+                                          </p:spTgt>
+                                        </p:tgtEl>
+                                        <p:attrNameLst>
+                                          <p:attrName>style.visibility</p:attrName>
+                                        </p:attrNameLst>
+                                      </p:cBhvr>
+                                      <p:to>
+                                        <p:strVal val="visible"/>
+                                      </p:to>
+                                    </p:set>
+                                  </p:childTnLst>
+                                </p:cTn>
+                              </p:par>
+                            </p:childTnLst>
+                          </p:cTn>
+                        </p:par>
+                      </p:childTnLst>
+                    </p:cTn>
+                  </p:par>
+                  <p:par>
+                    <p:cTn id="11" fill="hold">
+                      <p:stCondLst>
+                        <p:cond delay="indefinite"/>
+                      </p:stCondLst>
+                      <p:childTnLst>
+                        <p:par>
+                          <p:cTn id="12" fill="hold">
+                            <p:stCondLst>
+                              <p:cond delay="0"/>
+                            </p:stCondLst>
+                            <p:childTnLst>
+                              <p:par>
+                                <p:cTn id="13" presetID="1" presetClass="entr" presetSubtype="0" fill="hold" grpId="0" nodeType="clickEffect">
+                                  <p:stCondLst>
+                                    <p:cond delay="0"/>
+                                  </p:stCondLst>
+                                  <p:childTnLst>
+                                    <p:set>
+                                      <p:cBhvr>
+                                        <p:cTn id="14" dur="1" fill="hold">
+                                          <p:stCondLst>
+                                            <p:cond delay="0"/>
+                                          </p:stCondLst>
+                                        </p:cTn>
+                                        <p:tgtEl>
+                                          <p:spTgt spid="3">
+                                            <p:txEl>
+                                              <p:pRg st="2" end="2"/>
+                                            </p:txEl>
+                                          </p:spTgt>
+                                        </p:tgtEl>
+                                        <p:attrNameLst>
+                                          <p:attrName>style.visibility</p:attrName>
+                                        </p:attrNameLst>
+                                      </p:cBhvr>
+                                      <p:to>
+                                        <p:strVal val="visible"/>
+                                      </p:to>
+                                    </p:set>
+                                  </p:childTnLst>
+                                </p:cTn>
+                              </p:par>
+                            </p:childTnLst>
+                          </p:cTn>
+                        </p:par>
+                      </p:childTnLst>
+                    </p:cTn>
+                  </p:par>
+                  <p:par>
+                    <p:cTn id="15" fill="hold">
+                      <p:stCondLst>
+                        <p:cond delay="indefinite"/>
+                      </p:stCondLst>
+                      <p:childTnLst>
+                        <p:par>
+                          <p:cTn id="16" fill="hold">
+                            <p:stCondLst>
+                              <p:cond delay="0"/>
+                            </p:stCondLst>
+                            <p:childTnLst>
+                              <p:par>
+                                <p:cTn id="17" presetID="1" presetClass="entr" presetSubtype="0" fill="hold" grpId="0" nodeType="clickEffect">
+                                  <p:stCondLst>
+                                    <p:cond delay="0"/>
+                                  </p:stCondLst>
+                                  <p:childTnLst>
+                                    <p:set>
+                                      <p:cBhvr>
+                                        <p:cTn id="18" dur="1" fill="hold">
+                                          <p:stCondLst>
+                                            <p:cond delay="0"/>
+                                          </p:stCondLst>
+                                        </p:cTn>
+                                        <p:tgtEl>
+                                          <p:spTgt spid="3">
+                                            <p:txEl>
+                                              <p:pRg st="3" end="3"/>
+                                            </p:txEl>
+                                          </p:spTgt>
+                                        </p:tgtEl>
+                                        <p:attrNameLst>
+                                          <p:attrName>style.visibility</p:attrName>
+                                        </p:attrNameLst>
+                                      </p:cBhvr>
+                                      <p:to>
+                                        <p:strVal val="visible"/>
+                                      </p:to>
+                                    </p:set>
+                                  </p:childTnLst>
+                                </p:cTn>
+                              </p:par>
+                            </p:childTnLst>
+                          </p:cTn>
+                        </p:par>
+                      </p:childTnLst>
+                    </p:cTn>
+                  </p:par>
+                  <p:par>
+                    <p:cTn id="19" fill="hold">
+                      <p:stCondLst>
+                        <p:cond delay="indefinite"/>
+                      </p:stCondLst>
+                      <p:childTnLst>
+                        <p:par>
+                          <p:cTn id="20" fill="hold">
+                            <p:stCondLst>
+                              <p:cond delay="0"/>
+                            </p:stCondLst>
+                            <p:childTnLst>
+                              <p:par>
+                                <p:cTn id="21" presetID="1" presetClass="entr" presetSubtype="0" fill="hold" grpId="0" nodeType="clickEffect">
+                                  <p:stCondLst>
+                                    <p:cond delay="0"/>
+                                  </p:stCondLst>
+                                  <p:childTnLst>
+                                    <p:set>
+                                      <p:cBhvr>
+                                        <p:cTn id="22" dur="1" fill="hold">
+                                          <p:stCondLst>
+                                            <p:cond delay="0"/>
+                                          </p:stCondLst>
+                                        </p:cTn>
+                                        <p:tgtEl>
+                                          <p:spTgt spid="3">
+                                            <p:txEl>
+                                              <p:pRg st="4" end="4"/>
+                                            </p:txEl>
+                                          </p:spTgt>
+                                        </p:tgtEl>
+                                        <p:attrNameLst>
+                                          <p:attrName>style.visibility</p:attrName>
+                                        </p:attrNameLst>
+                                      </p:cBhvr>
+                                      <p:to>
+                                        <p:strVal val="visible"/>
+                                      </p:to>
+                                    </p:set>
+                                  </p:childTnLst>
+                                </p:cTn>
+                              </p:par>
+                            </p:childTnLst>
+                          </p:cTn>
+                        </p:par>
+                      </p:childTnLst>
+                    </p:cTn>
+                  </p:par>
+                  <p:par>
+                    <p:cTn id="23" fill="hold">
+                      <p:stCondLst>
+                        <p:cond delay="indefinite"/>
+                      </p:stCondLst>
+                      <p:childTnLst>
+                        <p:par>
+                          <p:cTn id="24" fill="hold">
+                            <p:stCondLst>
+                              <p:cond delay="0"/>
+                            </p:stCondLst>
+                            <p:childTnLst>
+                              <p:par>
+                                <p:cTn id="25" presetID="1" presetClass="entr" presetSubtype="0" fill="hold" grpId="0" nodeType="clickEffect">
+                                  <p:stCondLst>
+                                    <p:cond delay="0"/>
+                                  </p:stCondLst>
+                                  <p:childTnLst>
+                                    <p:set>
+                                      <p:cBhvr>
+                                        <p:cTn id="26" dur="1" fill="hold">
+                                          <p:stCondLst>
+                                            <p:cond delay="0"/>
+                                          </p:stCondLst>
+                                        </p:cTn>
+                                        <p:tgtEl>
+                                          <p:spTgt spid="3">
+                                            <p:txEl>
+                                              <p:pRg st="5" end="5"/>
+                                            </p:txEl>
+                                          </p:spTgt>
+                                        </p:tgtEl>
+                                        <p:attrNameLst>
+                                          <p:attrName>style.visibility</p:attrName>
+                                        </p:attrNameLst>
+                                      </p:cBhvr>
+                                      <p:to>
+                                        <p:strVal val="visible"/>
+                                      </p:to>
+                                    </p:set>
+                                  </p:childTnLst>
+                                </p:cTn>
+                              </p:par>
+                            </p:childTnLst>
+                          </p:cTn>
+                        </p:par>
+                      </p:childTnLst>
+                    </p:cTn>
+                  </p:par>
+                </p:childTnLst>
+              </p:cTn>
+              <p:prevCondLst>
+                <p:cond evt="onPrev" delay="0">
+                  <p:tgtEl>
+                    <p:sldTgt/>
+                  </p:tgtEl>
+                </p:cond>
+              </p:prevCondLst>
+              <p:nextCondLst>
+                <p:cond evt="onNext" delay="0">
+                  <p:tgtEl>
+                    <p:sldTgt/>
+                  </p:tgtEl>
+                </p:cond>
+              </p:nextCondLst>
+            </p:seq>
+          </p:childTnLst>
+        </p:cTn>
+      </p:par>
+    </p:tnLst>
+    <p:bldLst>
+      <p:bldP spid="3" grpId="0" build="p"/>
+    </p:bldLst>
+  </p:timing>
 </p:sld>
 </file>
 
@@ -3607,6 +4060,88 @@
   <p:clrMapOvr>
     <a:masterClrMapping/>
   </p:clrMapOvr>
+  <p:timing>
+    <p:tnLst>
+      <p:par>
+        <p:cTn id="1" dur="indefinite" restart="never" nodeType="tmRoot">
+          <p:childTnLst>
+            <p:seq concurrent="1" nextAc="seek">
+              <p:cTn id="2" dur="indefinite" nodeType="mainSeq">
+                <p:childTnLst>
+                  <p:par>
+                    <p:cTn id="3" fill="hold">
+                      <p:stCondLst>
+                        <p:cond delay="indefinite"/>
+                      </p:stCondLst>
+                      <p:childTnLst>
+                        <p:par>
+                          <p:cTn id="4" fill="hold">
+                            <p:stCondLst>
+                              <p:cond delay="0"/>
+                            </p:stCondLst>
+                            <p:childTnLst>
+                              <p:par>
+                                <p:cTn id="5" presetID="1" presetClass="entr" presetSubtype="0" fill="hold" grpId="0" nodeType="clickEffect">
+                                  <p:stCondLst>
+                                    <p:cond delay="0"/>
+                                  </p:stCondLst>
+                                  <p:childTnLst>
+                                    <p:set>
+                                      <p:cBhvr>
+                                        <p:cTn id="6" dur="1" fill="hold">
+                                          <p:stCondLst>
+                                            <p:cond delay="0"/>
+                                          </p:stCondLst>
+                                        </p:cTn>
+                                        <p:tgtEl>
+                                          <p:spTgt spid="3">
+                                            <p:txEl>
+                                              <p:pRg st="0" end="0"/>
+                                            </p:txEl>
+                                          </p:spTgt>
+                                        </p:tgtEl>
+                                        <p:attrNameLst>
+                                          <p:attrName>style.visibility</p:attrName>
+                                        </p:attrNameLst>
+                                      </p:cBhvr>
+                                      <p:to>
+                                        <p:strVal val="visible"/>
+                                      </p:to>
+                                    </p:set>
+                                  </p:childTnLst>
+                                </p:cTn>
+                              </p:par>
+                            </p:childTnLst>
+                          </p:cTn>
+                        </p:par>
+                      </p:childTnLst>
+                    </p:cTn>
+                  </p:par>
+                </p:childTnLst>
+              </p:cTn>
+              <p:prevCondLst>
+                <p:cond evt="onPrev" delay="0">
+                  <p:tgtEl>
+                    <p:sldTgt/>
+                  </p:tgtEl>
+                </p:cond>
+              </p:prevCondLst>
+              <p:nextCondLst>
+                <p:cond evt="onNext" delay="0">
+                  <p:tgtEl>
+                    <p:sldTgt/>
+                  </p:tgtEl>
+                </p:cond>
+              </p:nextCondLst>
+            </p:seq>
+          </p:childTnLst>
+        </p:cTn>
+      </p:par>
+    </p:tnLst>
+    <p:bldLst>
+      <p:bldP spid="3" grpId="0" build="p"/>
+    </p:bldLst>
+  </p:timing>
 </p:sld>
 </file>
 
@@ -3749,6 +4284,310 @@
   <p:clrMapOvr>
     <a:masterClrMapping/>
   </p:clrMapOvr>
+  <p:timing>
+    <p:tnLst>
+      <p:par>
+        <p:cTn id="1" dur="indefinite" restart="never" nodeType="tmRoot">
+          <p:childTnLst>
+            <p:seq concurrent="1" nextAc="seek">
+              <p:cTn id="2" dur="indefinite" nodeType="mainSeq">
+                <p:childTnLst>
+                  <p:par>
+                    <p:cTn id="3" fill="hold">
+                      <p:stCondLst>
+                        <p:cond delay="indefinite"/>
+                      </p:stCondLst>
+                      <p:childTnLst>
+                        <p:par>
+                          <p:cTn id="4" fill="hold">
+                            <p:stCondLst>
+                              <p:cond delay="0"/>
+                            </p:stCondLst>
+                            <p:childTnLst>
+                              <p:par>
+                                <p:cTn id="5" presetID="1" presetClass="entr" presetSubtype="0" fill="hold" grpId="0" nodeType="clickEffect">
+                                  <p:stCondLst>
+                                    <p:cond delay="0"/>
+                                  </p:stCondLst>
+                                  <p:childTnLst>
+                                    <p:set>
+                                      <p:cBhvr>
+                                        <p:cTn id="6" dur="1" fill="hold">
+                                          <p:stCondLst>
+                                            <p:cond delay="0"/>
+                                          </p:stCondLst>
+                                        </p:cTn>
+                                        <p:tgtEl>
+                                          <p:spTgt spid="3">
+                                            <p:txEl>
+                                              <p:pRg st="0" end="0"/>
+                                            </p:txEl>
+                                          </p:spTgt>
+                                        </p:tgtEl>
+                                        <p:attrNameLst>
+                                          <p:attrName>style.visibility</p:attrName>
+                                        </p:attrNameLst>
+                                      </p:cBhvr>
+                                      <p:to>
+                                        <p:strVal val="visible"/>
+                                      </p:to>
+                                    </p:set>
+                                  </p:childTnLst>
+                                </p:cTn>
+                              </p:par>
+                            </p:childTnLst>
+                          </p:cTn>
+                        </p:par>
+                      </p:childTnLst>
+                    </p:cTn>
+                  </p:par>
+                  <p:par>
+                    <p:cTn id="7" fill="hold">
+                      <p:stCondLst>
+                        <p:cond delay="indefinite"/>
+                      </p:stCondLst>
+                      <p:childTnLst>
+                        <p:par>
+                          <p:cTn id="8" fill="hold">
+                            <p:stCondLst>
+                              <p:cond delay="0"/>
+                            </p:stCondLst>
+                            <p:childTnLst>
+                              <p:par>
+                                <p:cTn id="9" presetID="1" presetClass="entr" presetSubtype="0" fill="hold" grpId="0" nodeType="clickEffect">
+                                  <p:stCondLst>
+                                    <p:cond delay="0"/>
+                                  </p:stCondLst>
+                                  <p:childTnLst>
+                                    <p:set>
+                                      <p:cBhvr>
+                                        <p:cTn id="10" dur="1" fill="hold">
+                                          <p:stCondLst>
+                                            <p:cond delay="0"/>
+                                          </p:stCondLst>
+                                        </p:cTn>
+                                        <p:tgtEl>
+                                          <p:spTgt spid="3">
+                                            <p:txEl>
+                                              <p:pRg st="1" end="1"/>
+                                            </p:txEl>
+                                          </p:spTgt>
+                                        </p:tgtEl>
+                                        <p:attrNameLst>
+                                          <p:attrName>style.visibility</p:attrName>
+                                        </p:attrNameLst>
+                                      </p:cBhvr>
+                                      <p:to>
+                                        <p:strVal val="visible"/>
+                                      </p:to>
+                                    </p:set>
+                                  </p:childTnLst>
+                                </p:cTn>
+                              </p:par>
+                              <p:par>
+                                <p:cTn id="11" presetID="1" presetClass="entr" presetSubtype="0" fill="hold" grpId="0" nodeType="withEffect">
+                                  <p:stCondLst>
+                                    <p:cond delay="0"/>
+                                  </p:stCondLst>
+                                  <p:childTnLst>
+                                    <p:set>
+                                      <p:cBhvr>
+                                        <p:cTn id="12" dur="1" fill="hold">
+                                          <p:stCondLst>
+                                            <p:cond delay="0"/>
+                                          </p:stCondLst>
+                                        </p:cTn>
+                                        <p:tgtEl>
+                                          <p:spTgt spid="3">
+                                            <p:txEl>
+                                              <p:pRg st="2" end="2"/>
+                                            </p:txEl>
+                                          </p:spTgt>
+                                        </p:tgtEl>
+                                        <p:attrNameLst>
+                                          <p:attrName>style.visibility</p:attrName>
+                                        </p:attrNameLst>
+                                      </p:cBhvr>
+                                      <p:to>
+                                        <p:strVal val="visible"/>
+                                      </p:to>
+                                    </p:set>
+                                  </p:childTnLst>
+                                </p:cTn>
+                              </p:par>
+                              <p:par>
+                                <p:cTn id="13" presetID="1" presetClass="entr" presetSubtype="0" fill="hold" grpId="0" nodeType="withEffect">
+                                  <p:stCondLst>
+                                    <p:cond delay="0"/>
+                                  </p:stCondLst>
+                                  <p:childTnLst>
+                                    <p:set>
+                                      <p:cBhvr>
+                                        <p:cTn id="14" dur="1" fill="hold">
+                                          <p:stCondLst>
+                                            <p:cond delay="0"/>
+                                          </p:stCondLst>
+                                        </p:cTn>
+                                        <p:tgtEl>
+                                          <p:spTgt spid="3">
+                                            <p:txEl>
+                                              <p:pRg st="3" end="3"/>
+                                            </p:txEl>
+                                          </p:spTgt>
+                                        </p:tgtEl>
+                                        <p:attrNameLst>
+                                          <p:attrName>style.visibility</p:attrName>
+                                        </p:attrNameLst>
+                                      </p:cBhvr>
+                                      <p:to>
+                                        <p:strVal val="visible"/>
+                                      </p:to>
+                                    </p:set>
+                                  </p:childTnLst>
+                                </p:cTn>
+                              </p:par>
+                              <p:par>
+                                <p:cTn id="15" presetID="1" presetClass="entr" presetSubtype="0" fill="hold" grpId="0" nodeType="withEffect">
+                                  <p:stCondLst>
+                                    <p:cond delay="0"/>
+                                  </p:stCondLst>
+                                  <p:childTnLst>
+                                    <p:set>
+                                      <p:cBhvr>
+                                        <p:cTn id="16" dur="1" fill="hold">
+                                          <p:stCondLst>
+                                            <p:cond delay="0"/>
+                                          </p:stCondLst>
+                                        </p:cTn>
+                                        <p:tgtEl>
+                                          <p:spTgt spid="3">
+                                            <p:txEl>
+                                              <p:pRg st="4" end="4"/>
+                                            </p:txEl>
+                                          </p:spTgt>
+                                        </p:tgtEl>
+                                        <p:attrNameLst>
+                                          <p:attrName>style.visibility</p:attrName>
+                                        </p:attrNameLst>
+                                      </p:cBhvr>
+                                      <p:to>
+                                        <p:strVal val="visible"/>
+                                      </p:to>
+                                    </p:set>
+                                  </p:childTnLst>
+                                </p:cTn>
+                              </p:par>
+                            </p:childTnLst>
+                          </p:cTn>
+                        </p:par>
+                      </p:childTnLst>
+                    </p:cTn>
+                  </p:par>
+                  <p:par>
+                    <p:cTn id="17" fill="hold">
+                      <p:stCondLst>
+                        <p:cond delay="indefinite"/>
+                      </p:stCondLst>
+                      <p:childTnLst>
+                        <p:par>
+                          <p:cTn id="18" fill="hold">
+                            <p:stCondLst>
+                              <p:cond delay="0"/>
+                            </p:stCondLst>
+                            <p:childTnLst>
+                              <p:par>
+                                <p:cTn id="19" presetID="1" presetClass="entr" presetSubtype="0" fill="hold" grpId="0" nodeType="clickEffect">
+                                  <p:stCondLst>
+                                    <p:cond delay="0"/>
+                                  </p:stCondLst>
+                                  <p:childTnLst>
+                                    <p:set>
+                                      <p:cBhvr>
+                                        <p:cTn id="20" dur="1" fill="hold">
+                                          <p:stCondLst>
+                                            <p:cond delay="0"/>
+                                          </p:stCondLst>
+                                        </p:cTn>
+                                        <p:tgtEl>
+                                          <p:spTgt spid="3">
+                                            <p:txEl>
+                                              <p:pRg st="5" end="5"/>
+                                            </p:txEl>
+                                          </p:spTgt>
+                                        </p:tgtEl>
+                                        <p:attrNameLst>
+                                          <p:attrName>style.visibility</p:attrName>
+                                        </p:attrNameLst>
+                                      </p:cBhvr>
+                                      <p:to>
+                                        <p:strVal val="visible"/>
+                                      </p:to>
+                                    </p:set>
+                                  </p:childTnLst>
+                                </p:cTn>
+                              </p:par>
+                              <p:par>
+                                <p:cTn id="21" presetID="1" presetClass="entr" presetSubtype="0" fill="hold" grpId="0" nodeType="withEffect">
+                                  <p:stCondLst>
+                                    <p:cond delay="0"/>
+                                  </p:stCondLst>
+                                  <p:childTnLst>
+                                    <p:set>
+                                      <p:cBhvr>
+                                        <p:cTn id="22" dur="1" fill="hold">
+                                          <p:stCondLst>
+                                            <p:cond delay="0"/>
+                                          </p:stCondLst>
+                                        </p:cTn>
+                                        <p:tgtEl>
+                                          <p:spTgt spid="3">
+                                            <p:txEl>
+                                              <p:pRg st="6" end="6"/>
+                                            </p:txEl>
+                                          </p:spTgt>
+                                        </p:tgtEl>
+                                        <p:attrNameLst>
+                                          <p:attrName>style.visibility</p:attrName>
+                                        </p:attrNameLst>
+                                      </p:cBhvr>
+                                      <p:to>
+                                        <p:strVal val="visible"/>
+                                      </p:to>
+                                    </p:set>
+                                  </p:childTnLst>
+                                </p:cTn>
+                              </p:par>
+                            </p:childTnLst>
+                          </p:cTn>
+                        </p:par>
+                      </p:childTnLst>
+                    </p:cTn>
+                  </p:par>
+                </p:childTnLst>
+              </p:cTn>
+              <p:prevCondLst>
+                <p:cond evt="onPrev" delay="0">
+                  <p:tgtEl>
+                    <p:sldTgt/>
+                  </p:tgtEl>
+                </p:cond>
+              </p:prevCondLst>
+              <p:nextCondLst>
+                <p:cond evt="onNext" delay="0">
+                  <p:tgtEl>
+                    <p:sldTgt/>
+                  </p:tgtEl>
+                </p:cond>
+              </p:nextCondLst>
+            </p:seq>
+          </p:childTnLst>
+        </p:cTn>
+      </p:par>
+    </p:tnLst>
+    <p:bldLst>
+      <p:bldP spid="3" grpId="0" build="p"/>
+    </p:bldLst>
+  </p:timing>
 </p:sld>
 </file>
 
@@ -3983,6 +4822,354 @@
   <p:clrMapOvr>
     <a:masterClrMapping/>
   </p:clrMapOvr>
+  <p:timing>
+    <p:tnLst>
+      <p:par>
+        <p:cTn id="1" dur="indefinite" restart="never" nodeType="tmRoot">
+          <p:childTnLst>
+            <p:seq concurrent="1" nextAc="seek">
+              <p:cTn id="2" dur="indefinite" nodeType="mainSeq">
+                <p:childTnLst>
+                  <p:par>
+                    <p:cTn id="3" fill="hold">
+                      <p:stCondLst>
+                        <p:cond delay="indefinite"/>
+                      </p:stCondLst>
+                      <p:childTnLst>
+                        <p:par>
+                          <p:cTn id="4" fill="hold">
+                            <p:stCondLst>
+                              <p:cond delay="0"/>
+                            </p:stCondLst>
+                            <p:childTnLst>
+                              <p:par>
+                                <p:cTn id="5" presetID="1" presetClass="entr" presetSubtype="0" fill="hold" grpId="0" nodeType="clickEffect">
+                                  <p:stCondLst>
+                                    <p:cond delay="0"/>
+                                  </p:stCondLst>
+                                  <p:childTnLst>
+                                    <p:set>
+                                      <p:cBhvr>
+                                        <p:cTn id="6" dur="1" fill="hold">
+                                          <p:stCondLst>
+                                            <p:cond delay="0"/>
+                                          </p:stCondLst>
+                                        </p:cTn>
+                                        <p:tgtEl>
+                                          <p:spTgt spid="3">
+                                            <p:txEl>
+                                              <p:pRg st="0" end="0"/>
+                                            </p:txEl>
+                                          </p:spTgt>
+                                        </p:tgtEl>
+                                        <p:attrNameLst>
+                                          <p:attrName>style.visibility</p:attrName>
+                                        </p:attrNameLst>
+                                      </p:cBhvr>
+                                      <p:to>
+                                        <p:strVal val="visible"/>
+                                      </p:to>
+                                    </p:set>
+                                  </p:childTnLst>
+                                </p:cTn>
+                              </p:par>
+                              <p:par>
+                                <p:cTn id="7" presetID="1" presetClass="entr" presetSubtype="0" fill="hold" grpId="0" nodeType="withEffect">
+                                  <p:stCondLst>
+                                    <p:cond delay="0"/>
+                                  </p:stCondLst>
+                                  <p:childTnLst>
+                                    <p:set>
+                                      <p:cBhvr>
+                                        <p:cTn id="8" dur="1" fill="hold">
+                                          <p:stCondLst>
+                                            <p:cond delay="0"/>
+                                          </p:stCondLst>
+                                        </p:cTn>
+                                        <p:tgtEl>
+                                          <p:spTgt spid="3">
+                                            <p:txEl>
+                                              <p:pRg st="1" end="1"/>
+                                            </p:txEl>
+                                          </p:spTgt>
+                                        </p:tgtEl>
+                                        <p:attrNameLst>
+                                          <p:attrName>style.visibility</p:attrName>
+                                        </p:attrNameLst>
+                                      </p:cBhvr>
+                                      <p:to>
+                                        <p:strVal val="visible"/>
+                                      </p:to>
+                                    </p:set>
+                                  </p:childTnLst>
+                                </p:cTn>
+                              </p:par>
+                            </p:childTnLst>
+                          </p:cTn>
+                        </p:par>
+                      </p:childTnLst>
+                    </p:cTn>
+                  </p:par>
+                  <p:par>
+                    <p:cTn id="9" fill="hold">
+                      <p:stCondLst>
+                        <p:cond delay="indefinite"/>
+                      </p:stCondLst>
+                      <p:childTnLst>
+                        <p:par>
+                          <p:cTn id="10" fill="hold">
+                            <p:stCondLst>
+                              <p:cond delay="0"/>
+                            </p:stCondLst>
+                            <p:childTnLst>
+                              <p:par>
+                                <p:cTn id="11" presetID="1" presetClass="entr" presetSubtype="0" fill="hold" grpId="0" nodeType="clickEffect">
+                                  <p:stCondLst>
+                                    <p:cond delay="0"/>
+                                  </p:stCondLst>
+                                  <p:childTnLst>
+                                    <p:set>
+                                      <p:cBhvr>
+                                        <p:cTn id="12" dur="1" fill="hold">
+                                          <p:stCondLst>
+                                            <p:cond delay="0"/>
+                                          </p:stCondLst>
+                                        </p:cTn>
+                                        <p:tgtEl>
+                                          <p:spTgt spid="3">
+                                            <p:txEl>
+                                              <p:pRg st="2" end="2"/>
+                                            </p:txEl>
+                                          </p:spTgt>
+                                        </p:tgtEl>
+                                        <p:attrNameLst>
+                                          <p:attrName>style.visibility</p:attrName>
+                                        </p:attrNameLst>
+                                      </p:cBhvr>
+                                      <p:to>
+                                        <p:strVal val="visible"/>
+                                      </p:to>
+                                    </p:set>
+                                  </p:childTnLst>
+                                </p:cTn>
+                              </p:par>
+                              <p:par>
+                                <p:cTn id="13" presetID="1" presetClass="entr" presetSubtype="0" fill="hold" grpId="0" nodeType="withEffect">
+                                  <p:stCondLst>
+                                    <p:cond delay="0"/>
+                                  </p:stCondLst>
+                                  <p:childTnLst>
+                                    <p:set>
+                                      <p:cBhvr>
+                                        <p:cTn id="14" dur="1" fill="hold">
+                                          <p:stCondLst>
+                                            <p:cond delay="0"/>
+                                          </p:stCondLst>
+                                        </p:cTn>
+                                        <p:tgtEl>
+                                          <p:spTgt spid="3">
+                                            <p:txEl>
+                                              <p:pRg st="3" end="3"/>
+                                            </p:txEl>
+                                          </p:spTgt>
+                                        </p:tgtEl>
+                                        <p:attrNameLst>
+                                          <p:attrName>style.visibility</p:attrName>
+                                        </p:attrNameLst>
+                                      </p:cBhvr>
+                                      <p:to>
+                                        <p:strVal val="visible"/>
+                                      </p:to>
+                                    </p:set>
+                                  </p:childTnLst>
+                                </p:cTn>
+                              </p:par>
+                              <p:par>
+                                <p:cTn id="15" presetID="1" presetClass="entr" presetSubtype="0" fill="hold" grpId="0" nodeType="withEffect">
+                                  <p:stCondLst>
+                                    <p:cond delay="0"/>
+                                  </p:stCondLst>
+                                  <p:childTnLst>
+                                    <p:set>
+                                      <p:cBhvr>
+                                        <p:cTn id="16" dur="1" fill="hold">
+                                          <p:stCondLst>
+                                            <p:cond delay="0"/>
+                                          </p:stCondLst>
+                                        </p:cTn>
+                                        <p:tgtEl>
+                                          <p:spTgt spid="3">
+                                            <p:txEl>
+                                              <p:pRg st="4" end="4"/>
+                                            </p:txEl>
+                                          </p:spTgt>
+                                        </p:tgtEl>
+                                        <p:attrNameLst>
+                                          <p:attrName>style.visibility</p:attrName>
+                                        </p:attrNameLst>
+                                      </p:cBhvr>
+                                      <p:to>
+                                        <p:strVal val="visible"/>
+                                      </p:to>
+                                    </p:set>
+                                  </p:childTnLst>
+                                </p:cTn>
+                              </p:par>
+                              <p:par>
+                                <p:cTn id="17" presetID="1" presetClass="entr" presetSubtype="0" fill="hold" grpId="0" nodeType="withEffect">
+                                  <p:stCondLst>
+                                    <p:cond delay="0"/>
+                                  </p:stCondLst>
+                                  <p:childTnLst>
+                                    <p:set>
+                                      <p:cBhvr>
+                                        <p:cTn id="18" dur="1" fill="hold">
+                                          <p:stCondLst>
+                                            <p:cond delay="0"/>
+                                          </p:stCondLst>
+                                        </p:cTn>
+                                        <p:tgtEl>
+                                          <p:spTgt spid="3">
+                                            <p:txEl>
+                                              <p:pRg st="5" end="5"/>
+                                            </p:txEl>
+                                          </p:spTgt>
+                                        </p:tgtEl>
+                                        <p:attrNameLst>
+                                          <p:attrName>style.visibility</p:attrName>
+                                        </p:attrNameLst>
+                                      </p:cBhvr>
+                                      <p:to>
+                                        <p:strVal val="visible"/>
+                                      </p:to>
+                                    </p:set>
+                                  </p:childTnLst>
+                                </p:cTn>
+                              </p:par>
+                              <p:par>
+                                <p:cTn id="19" presetID="1" presetClass="entr" presetSubtype="0" fill="hold" grpId="0" nodeType="withEffect">
+                                  <p:stCondLst>
+                                    <p:cond delay="0"/>
+                                  </p:stCondLst>
+                                  <p:childTnLst>
+                                    <p:set>
+                                      <p:cBhvr>
+                                        <p:cTn id="20" dur="1" fill="hold">
+                                          <p:stCondLst>
+                                            <p:cond delay="0"/>
+                                          </p:stCondLst>
+                                        </p:cTn>
+                                        <p:tgtEl>
+                                          <p:spTgt spid="3">
+                                            <p:txEl>
+                                              <p:pRg st="6" end="6"/>
+                                            </p:txEl>
+                                          </p:spTgt>
+                                        </p:tgtEl>
+                                        <p:attrNameLst>
+                                          <p:attrName>style.visibility</p:attrName>
+                                        </p:attrNameLst>
+                                      </p:cBhvr>
+                                      <p:to>
+                                        <p:strVal val="visible"/>
+                                      </p:to>
+                                    </p:set>
+                                  </p:childTnLst>
+                                </p:cTn>
+                              </p:par>
+                              <p:par>
+                                <p:cTn id="21" presetID="1" presetClass="entr" presetSubtype="0" fill="hold" grpId="0" nodeType="withEffect">
+                                  <p:stCondLst>
+                                    <p:cond delay="0"/>
+                                  </p:stCondLst>
+                                  <p:childTnLst>
+                                    <p:set>
+                                      <p:cBhvr>
+                                        <p:cTn id="22" dur="1" fill="hold">
+                                          <p:stCondLst>
+                                            <p:cond delay="0"/>
+                                          </p:stCondLst>
+                                        </p:cTn>
+                                        <p:tgtEl>
+                                          <p:spTgt spid="3">
+                                            <p:txEl>
+                                              <p:pRg st="7" end="7"/>
+                                            </p:txEl>
+                                          </p:spTgt>
+                                        </p:tgtEl>
+                                        <p:attrNameLst>
+                                          <p:attrName>style.visibility</p:attrName>
+                                        </p:attrNameLst>
+                                      </p:cBhvr>
+                                      <p:to>
+                                        <p:strVal val="visible"/>
+                                      </p:to>
+                                    </p:set>
+                                  </p:childTnLst>
+                                </p:cTn>
+                              </p:par>
+                              <p:par>
+                                <p:cTn id="23" presetID="1" presetClass="entr" presetSubtype="0" fill="hold" grpId="0" nodeType="withEffect">
+                                  <p:stCondLst>
+                                    <p:cond delay="0"/>
+                                  </p:stCondLst>
+                                  <p:childTnLst>
+                                    <p:set>
+                                      <p:cBhvr>
+                                        <p:cTn id="24" dur="1" fill="hold">
+                                          <p:stCondLst>
+                                            <p:cond delay="0"/>
+                                          </p:stCondLst>
+                                        </p:cTn>
+                                        <p:tgtEl>
+                                          <p:spTgt spid="3">
+                                            <p:txEl>
+                                              <p:pRg st="8" end="8"/>
+                                            </p:txEl>
+                                          </p:spTgt>
+                                        </p:tgtEl>
+                                        <p:attrNameLst>
+                                          <p:attrName>style.visibility</p:attrName>
+                                        </p:attrNameLst>
+                                      </p:cBhvr>
+                                      <p:to>
+                                        <p:strVal val="visible"/>
+                                      </p:to>
+                                    </p:set>
+                                  </p:childTnLst>
+                                </p:cTn>
+                              </p:par>
+                            </p:childTnLst>
+                          </p:cTn>
+                        </p:par>
+                      </p:childTnLst>
+                    </p:cTn>
+                  </p:par>
+                </p:childTnLst>
+              </p:cTn>
+              <p:prevCondLst>
+                <p:cond evt="onPrev" delay="0">
+                  <p:tgtEl>
+                    <p:sldTgt/>
+                  </p:tgtEl>
+                </p:cond>
+              </p:prevCondLst>
+              <p:nextCondLst>
+                <p:cond evt="onNext" delay="0">
+                  <p:tgtEl>
+                    <p:sldTgt/>
+                  </p:tgtEl>
+                </p:cond>
+              </p:nextCondLst>
+            </p:seq>
+          </p:childTnLst>
+        </p:cTn>
+      </p:par>
+    </p:tnLst>
+    <p:bldLst>
+      <p:bldP spid="3" grpId="0" build="p"/>
+    </p:bldLst>
+  </p:timing>
 </p:sld>
 </file>
 
@@ -4088,6 +5275,385 @@
   <p:clrMapOvr>
     <a:masterClrMapping/>
   </p:clrMapOvr>
+  <p:timing>
+    <p:tnLst>
+      <p:par>
+        <p:cTn id="1" dur="indefinite" restart="never" nodeType="tmRoot">
+          <p:childTnLst>
+            <p:seq concurrent="1" nextAc="seek">
+              <p:cTn id="2" dur="indefinite" nodeType="mainSeq">
+                <p:childTnLst>
+                  <p:par>
+                    <p:cTn id="3" fill="hold">
+                      <p:stCondLst>
+                        <p:cond delay="indefinite"/>
+                      </p:stCondLst>
+                      <p:childTnLst>
+                        <p:par>
+                          <p:cTn id="4" fill="hold">
+                            <p:stCondLst>
+                              <p:cond delay="0"/>
+                            </p:stCondLst>
+                            <p:childTnLst>
+                              <p:par>
+                                <p:cTn id="5" presetID="1" presetClass="entr" presetSubtype="0" fill="hold" grpId="0" nodeType="clickEffect">
+                                  <p:stCondLst>
+                                    <p:cond delay="0"/>
+                                  </p:stCondLst>
+                                  <p:childTnLst>
+                                    <p:set>
+                                      <p:cBhvr>
+                                        <p:cTn id="6" dur="1" fill="hold">
+                                          <p:stCondLst>
+                                            <p:cond delay="0"/>
+                                          </p:stCondLst>
+                                        </p:cTn>
+                                        <p:tgtEl>
+                                          <p:spTgt spid="3">
+                                            <p:txEl>
+                                              <p:pRg st="0" end="0"/>
+                                            </p:txEl>
+                                          </p:spTgt>
+                                        </p:tgtEl>
+                                        <p:attrNameLst>
+                                          <p:attrName>style.visibility</p:attrName>
+                                        </p:attrNameLst>
+                                      </p:cBhvr>
+                                      <p:to>
+                                        <p:strVal val="visible"/>
+                                      </p:to>
+                                    </p:set>
+                                  </p:childTnLst>
+                                </p:cTn>
+                              </p:par>
+                              <p:par>
+                                <p:cTn id="7" presetID="1" presetClass="entr" presetSubtype="0" fill="hold" grpId="0" nodeType="withEffect">
+                                  <p:stCondLst>
+                                    <p:cond delay="0"/>
+                                  </p:stCondLst>
+                                  <p:childTnLst>
+                                    <p:set>
+                                      <p:cBhvr>
+                                        <p:cTn id="8" dur="1" fill="hold">
+                                          <p:stCondLst>
+                                            <p:cond delay="0"/>
+                                          </p:stCondLst>
+                                        </p:cTn>
+                                        <p:tgtEl>
+                                          <p:spTgt spid="3">
+                                            <p:txEl>
+                                              <p:pRg st="1" end="1"/>
+                                            </p:txEl>
+                                          </p:spTgt>
+                                        </p:tgtEl>
+                                        <p:attrNameLst>
+                                          <p:attrName>style.visibility</p:attrName>
+                                        </p:attrNameLst>
+                                      </p:cBhvr>
+                                      <p:to>
+                                        <p:strVal val="visible"/>
+                                      </p:to>
+                                    </p:set>
+                                  </p:childTnLst>
+                                </p:cTn>
+                              </p:par>
+                            </p:childTnLst>
+                          </p:cTn>
+                        </p:par>
+                      </p:childTnLst>
+                    </p:cTn>
+                  </p:par>
+                  <p:par>
+                    <p:cTn id="9" fill="hold">
+                      <p:stCondLst>
+                        <p:cond delay="indefinite"/>
+                      </p:stCondLst>
+                      <p:childTnLst>
+                        <p:par>
+                          <p:cTn id="10" fill="hold">
+                            <p:stCondLst>
+                              <p:cond delay="0"/>
+                            </p:stCondLst>
+                            <p:childTnLst>
+                              <p:par>
+                                <p:cTn id="11" presetID="1" presetClass="entr" presetSubtype="0" fill="hold" grpId="0" nodeType="clickEffect">
+                                  <p:stCondLst>
+                                    <p:cond delay="0"/>
+                                  </p:stCondLst>
+                                  <p:childTnLst>
+                                    <p:set>
+                                      <p:cBhvr>
+                                        <p:cTn id="12" dur="1" fill="hold">
+                                          <p:stCondLst>
+                                            <p:cond delay="0"/>
+                                          </p:stCondLst>
+                                        </p:cTn>
+                                        <p:tgtEl>
+                                          <p:spTgt spid="3">
+                                            <p:txEl>
+                                              <p:pRg st="2" end="2"/>
+                                            </p:txEl>
+                                          </p:spTgt>
+                                        </p:tgtEl>
+                                        <p:attrNameLst>
+                                          <p:attrName>style.visibility</p:attrName>
+                                        </p:attrNameLst>
+                                      </p:cBhvr>
+                                      <p:to>
+                                        <p:strVal val="visible"/>
+                                      </p:to>
+                                    </p:set>
+                                  </p:childTnLst>
+                                </p:cTn>
+                              </p:par>
+                            </p:childTnLst>
+                          </p:cTn>
+                        </p:par>
+                      </p:childTnLst>
+                    </p:cTn>
+                  </p:par>
+                  <p:par>
+                    <p:cTn id="13" fill="hold">
+                      <p:stCondLst>
+                        <p:cond delay="indefinite"/>
+                      </p:stCondLst>
+                      <p:childTnLst>
+                        <p:par>
+                          <p:cTn id="14" fill="hold">
+                            <p:stCondLst>
+                              <p:cond delay="0"/>
+                            </p:stCondLst>
+                            <p:childTnLst>
+                              <p:par>
+                                <p:cTn id="15" presetID="1" presetClass="entr" presetSubtype="0" fill="hold" grpId="0" nodeType="clickEffect">
+                                  <p:stCondLst>
+                                    <p:cond delay="0"/>
+                                  </p:stCondLst>
+                                  <p:childTnLst>
+                                    <p:set>
+                                      <p:cBhvr>
+                                        <p:cTn id="16" dur="1" fill="hold">
+                                          <p:stCondLst>
+                                            <p:cond delay="0"/>
+                                          </p:stCondLst>
+                                        </p:cTn>
+                                        <p:tgtEl>
+                                          <p:spTgt spid="3">
+                                            <p:txEl>
+                                              <p:pRg st="3" end="3"/>
+                                            </p:txEl>
+                                          </p:spTgt>
+                                        </p:tgtEl>
+                                        <p:attrNameLst>
+                                          <p:attrName>style.visibility</p:attrName>
+                                        </p:attrNameLst>
+                                      </p:cBhvr>
+                                      <p:to>
+                                        <p:strVal val="visible"/>
+                                      </p:to>
+                                    </p:set>
+                                  </p:childTnLst>
+                                </p:cTn>
+                              </p:par>
+                            </p:childTnLst>
+                          </p:cTn>
+                        </p:par>
+                      </p:childTnLst>
+                    </p:cTn>
+                  </p:par>
+                </p:childTnLst>
+              </p:cTn>
+              <p:prevCondLst>
+                <p:cond evt="onPrev" delay="0">
+                  <p:tgtEl>
+                    <p:sldTgt/>
+                  </p:tgtEl>
+                </p:cond>
+              </p:prevCondLst>
+              <p:nextCondLst>
+                <p:cond evt="onNext" delay="0">
+                  <p:tgtEl>
+                    <p:sldTgt/>
+                  </p:tgtEl>
+                </p:cond>
+              </p:nextCondLst>
+            </p:seq>
+          </p:childTnLst>
+        </p:cTn>
+      </p:par>
+    </p:tnLst>
+    <p:bldLst>
+      <p:bldP spid="3" grpId="0" build="p"/>
+    </p:bldLst>
+  </p:timing>
+</p:sld>
+</file>
+
+<file path=ppt/slides/slide15.xml><?xml version="1.0" encoding="utf-8"?>
+<p:sld xmlns:a="http://schemas.openxmlformats.org/drawingml/2006/main" xmlns:r="http://schemas.openxmlformats.org/officeDocument/2006/relationships" xmlns:p="http://schemas.openxmlformats.org/presentationml/2006/main">
+  <p:cSld>
+    <p:spTree>
+      <p:nvGrpSpPr>
+        <p:cNvPr id="1" name=""/>
+        <p:cNvGrpSpPr/>
+        <p:nvPr/>
+      </p:nvGrpSpPr>
+      <p:grpSpPr>
+        <a:xfrm>
+          <a:off x="0" y="0"/>
+          <a:ext cx="0" cy="0"/>
+          <a:chOff x="0" y="0"/>
+          <a:chExt cx="0" cy="0"/>
+        </a:xfrm>
+      </p:grpSpPr>
+      <p:sp>
+        <p:nvSpPr>
+          <p:cNvPr id="2" name="Title 1">
+            <a:extLst>
+              <a:ext uri="{FF2B5EF4-FFF2-40B4-BE49-F238E27FC236}">
+                <a16:creationId xmlns:a16="http://schemas.microsoft.com/office/drawing/2014/main" id="{42C04505-FBC3-4A3D-99B2-D4FAE519C405}"/>
+              </a:ext>
+            </a:extLst>
+          </p:cNvPr>
+          <p:cNvSpPr>
+            <a:spLocks noGrp="1"/>
+          </p:cNvSpPr>
+          <p:nvPr>
+            <p:ph type="title"/>
+          </p:nvPr>
+        </p:nvSpPr>
+        <p:spPr/>
+        <p:txBody>
+          <a:bodyPr/>
+          <a:lstStyle/>
+          <a:p>
+            <a:r>
+              <a:rPr lang="en-US" dirty="0"/>
+              <a:t>BREAK 2</a:t>
+            </a:r>
+          </a:p>
+        </p:txBody>
+      </p:sp>
+      <p:sp>
+        <p:nvSpPr>
+          <p:cNvPr id="3" name="Content Placeholder 2">
+            <a:extLst>
+              <a:ext uri="{FF2B5EF4-FFF2-40B4-BE49-F238E27FC236}">
+                <a16:creationId xmlns:a16="http://schemas.microsoft.com/office/drawing/2014/main" id="{D1BDA02E-6013-42A6-9D4A-2F86AB0D22B3}"/>
+              </a:ext>
+            </a:extLst>
+          </p:cNvPr>
+          <p:cNvSpPr>
+            <a:spLocks noGrp="1"/>
+          </p:cNvSpPr>
+          <p:nvPr>
+            <p:ph idx="1"/>
+          </p:nvPr>
+        </p:nvSpPr>
+        <p:spPr/>
+        <p:txBody>
+          <a:bodyPr/>
+          <a:lstStyle/>
+          <a:p>
+            <a:r>
+              <a:rPr lang="en-US" dirty="0"/>
+              <a:t>Write down your answers for 1-7 and Break 1 on your Notes Sheet</a:t>
+            </a:r>
+          </a:p>
+        </p:txBody>
+      </p:sp>
+    </p:spTree>
+    <p:extLst>
+      <p:ext uri="{BB962C8B-B14F-4D97-AF65-F5344CB8AC3E}">
+        <p14:creationId xmlns:p14="http://schemas.microsoft.com/office/powerpoint/2010/main" val="202395021"/>
+      </p:ext>
+    </p:extLst>
+  </p:cSld>
+  <p:clrMapOvr>
+    <a:masterClrMapping/>
+  </p:clrMapOvr>
+  <p:timing>
+    <p:tnLst>
+      <p:par>
+        <p:cTn id="1" dur="indefinite" restart="never" nodeType="tmRoot">
+          <p:childTnLst>
+            <p:seq concurrent="1" nextAc="seek">
+              <p:cTn id="2" dur="indefinite" nodeType="mainSeq">
+                <p:childTnLst>
+                  <p:par>
+                    <p:cTn id="3" fill="hold">
+                      <p:stCondLst>
+                        <p:cond delay="indefinite"/>
+                      </p:stCondLst>
+                      <p:childTnLst>
+                        <p:par>
+                          <p:cTn id="4" fill="hold">
+                            <p:stCondLst>
+                              <p:cond delay="0"/>
+                            </p:stCondLst>
+                            <p:childTnLst>
+                              <p:par>
+                                <p:cTn id="5" presetID="1" presetClass="entr" presetSubtype="0" fill="hold" grpId="0" nodeType="clickEffect">
+                                  <p:stCondLst>
+                                    <p:cond delay="0"/>
+                                  </p:stCondLst>
+                                  <p:childTnLst>
+                                    <p:set>
+                                      <p:cBhvr>
+                                        <p:cTn id="6" dur="1" fill="hold">
+                                          <p:stCondLst>
+                                            <p:cond delay="0"/>
+                                          </p:stCondLst>
+                                        </p:cTn>
+                                        <p:tgtEl>
+                                          <p:spTgt spid="3">
+                                            <p:txEl>
+                                              <p:pRg st="0" end="0"/>
+                                            </p:txEl>
+                                          </p:spTgt>
+                                        </p:tgtEl>
+                                        <p:attrNameLst>
+                                          <p:attrName>style.visibility</p:attrName>
+                                        </p:attrNameLst>
+                                      </p:cBhvr>
+                                      <p:to>
+                                        <p:strVal val="visible"/>
+                                      </p:to>
+                                    </p:set>
+                                  </p:childTnLst>
+                                </p:cTn>
+                              </p:par>
+                            </p:childTnLst>
+                          </p:cTn>
+                        </p:par>
+                      </p:childTnLst>
+                    </p:cTn>
+                  </p:par>
+                </p:childTnLst>
+              </p:cTn>
+              <p:prevCondLst>
+                <p:cond evt="onPrev" delay="0">
+                  <p:tgtEl>
+                    <p:sldTgt/>
+                  </p:tgtEl>
+                </p:cond>
+              </p:prevCondLst>
+              <p:nextCondLst>
+                <p:cond evt="onNext" delay="0">
+                  <p:tgtEl>
+                    <p:sldTgt/>
+                  </p:tgtEl>
+                </p:cond>
+              </p:nextCondLst>
+            </p:seq>
+          </p:childTnLst>
+        </p:cTn>
+      </p:par>
+    </p:tnLst>
+    <p:bldLst>
+      <p:bldP spid="3" grpId="0" build="p"/>
+    </p:bldLst>
+  </p:timing>
 </p:sld>
 </file>
 
@@ -4199,6 +5765,266 @@
   <p:clrMapOvr>
     <a:masterClrMapping/>
   </p:clrMapOvr>
+  <p:timing>
+    <p:tnLst>
+      <p:par>
+        <p:cTn id="1" dur="indefinite" restart="never" nodeType="tmRoot">
+          <p:childTnLst>
+            <p:seq concurrent="1" nextAc="seek">
+              <p:cTn id="2" dur="indefinite" nodeType="mainSeq">
+                <p:childTnLst>
+                  <p:par>
+                    <p:cTn id="3" fill="hold">
+                      <p:stCondLst>
+                        <p:cond delay="indefinite"/>
+                      </p:stCondLst>
+                      <p:childTnLst>
+                        <p:par>
+                          <p:cTn id="4" fill="hold">
+                            <p:stCondLst>
+                              <p:cond delay="0"/>
+                            </p:stCondLst>
+                            <p:childTnLst>
+                              <p:par>
+                                <p:cTn id="5" presetID="1" presetClass="entr" presetSubtype="0" fill="hold" grpId="0" nodeType="clickEffect">
+                                  <p:stCondLst>
+                                    <p:cond delay="0"/>
+                                  </p:stCondLst>
+                                  <p:childTnLst>
+                                    <p:set>
+                                      <p:cBhvr>
+                                        <p:cTn id="6" dur="1" fill="hold">
+                                          <p:stCondLst>
+                                            <p:cond delay="0"/>
+                                          </p:stCondLst>
+                                        </p:cTn>
+                                        <p:tgtEl>
+                                          <p:spTgt spid="3">
+                                            <p:txEl>
+                                              <p:pRg st="0" end="0"/>
+                                            </p:txEl>
+                                          </p:spTgt>
+                                        </p:tgtEl>
+                                        <p:attrNameLst>
+                                          <p:attrName>style.visibility</p:attrName>
+                                        </p:attrNameLst>
+                                      </p:cBhvr>
+                                      <p:to>
+                                        <p:strVal val="visible"/>
+                                      </p:to>
+                                    </p:set>
+                                  </p:childTnLst>
+                                </p:cTn>
+                              </p:par>
+                            </p:childTnLst>
+                          </p:cTn>
+                        </p:par>
+                      </p:childTnLst>
+                    </p:cTn>
+                  </p:par>
+                  <p:par>
+                    <p:cTn id="7" fill="hold">
+                      <p:stCondLst>
+                        <p:cond delay="indefinite"/>
+                      </p:stCondLst>
+                      <p:childTnLst>
+                        <p:par>
+                          <p:cTn id="8" fill="hold">
+                            <p:stCondLst>
+                              <p:cond delay="0"/>
+                            </p:stCondLst>
+                            <p:childTnLst>
+                              <p:par>
+                                <p:cTn id="9" presetID="1" presetClass="entr" presetSubtype="0" fill="hold" grpId="0" nodeType="clickEffect">
+                                  <p:stCondLst>
+                                    <p:cond delay="0"/>
+                                  </p:stCondLst>
+                                  <p:childTnLst>
+                                    <p:set>
+                                      <p:cBhvr>
+                                        <p:cTn id="10" dur="1" fill="hold">
+                                          <p:stCondLst>
+                                            <p:cond delay="0"/>
+                                          </p:stCondLst>
+                                        </p:cTn>
+                                        <p:tgtEl>
+                                          <p:spTgt spid="3">
+                                            <p:txEl>
+                                              <p:pRg st="1" end="1"/>
+                                            </p:txEl>
+                                          </p:spTgt>
+                                        </p:tgtEl>
+                                        <p:attrNameLst>
+                                          <p:attrName>style.visibility</p:attrName>
+                                        </p:attrNameLst>
+                                      </p:cBhvr>
+                                      <p:to>
+                                        <p:strVal val="visible"/>
+                                      </p:to>
+                                    </p:set>
+                                  </p:childTnLst>
+                                </p:cTn>
+                              </p:par>
+                            </p:childTnLst>
+                          </p:cTn>
+                        </p:par>
+                      </p:childTnLst>
+                    </p:cTn>
+                  </p:par>
+                  <p:par>
+                    <p:cTn id="11" fill="hold">
+                      <p:stCondLst>
+                        <p:cond delay="indefinite"/>
+                      </p:stCondLst>
+                      <p:childTnLst>
+                        <p:par>
+                          <p:cTn id="12" fill="hold">
+                            <p:stCondLst>
+                              <p:cond delay="0"/>
+                            </p:stCondLst>
+                            <p:childTnLst>
+                              <p:par>
+                                <p:cTn id="13" presetID="1" presetClass="entr" presetSubtype="0" fill="hold" grpId="0" nodeType="clickEffect">
+                                  <p:stCondLst>
+                                    <p:cond delay="0"/>
+                                  </p:stCondLst>
+                                  <p:childTnLst>
+                                    <p:set>
+                                      <p:cBhvr>
+                                        <p:cTn id="14" dur="1" fill="hold">
+                                          <p:stCondLst>
+                                            <p:cond delay="0"/>
+                                          </p:stCondLst>
+                                        </p:cTn>
+                                        <p:tgtEl>
+                                          <p:spTgt spid="3">
+                                            <p:txEl>
+                                              <p:pRg st="2" end="2"/>
+                                            </p:txEl>
+                                          </p:spTgt>
+                                        </p:tgtEl>
+                                        <p:attrNameLst>
+                                          <p:attrName>style.visibility</p:attrName>
+                                        </p:attrNameLst>
+                                      </p:cBhvr>
+                                      <p:to>
+                                        <p:strVal val="visible"/>
+                                      </p:to>
+                                    </p:set>
+                                  </p:childTnLst>
+                                </p:cTn>
+                              </p:par>
+                            </p:childTnLst>
+                          </p:cTn>
+                        </p:par>
+                      </p:childTnLst>
+                    </p:cTn>
+                  </p:par>
+                  <p:par>
+                    <p:cTn id="15" fill="hold">
+                      <p:stCondLst>
+                        <p:cond delay="indefinite"/>
+                      </p:stCondLst>
+                      <p:childTnLst>
+                        <p:par>
+                          <p:cTn id="16" fill="hold">
+                            <p:stCondLst>
+                              <p:cond delay="0"/>
+                            </p:stCondLst>
+                            <p:childTnLst>
+                              <p:par>
+                                <p:cTn id="17" presetID="1" presetClass="entr" presetSubtype="0" fill="hold" grpId="0" nodeType="clickEffect">
+                                  <p:stCondLst>
+                                    <p:cond delay="0"/>
+                                  </p:stCondLst>
+                                  <p:childTnLst>
+                                    <p:set>
+                                      <p:cBhvr>
+                                        <p:cTn id="18" dur="1" fill="hold">
+                                          <p:stCondLst>
+                                            <p:cond delay="0"/>
+                                          </p:stCondLst>
+                                        </p:cTn>
+                                        <p:tgtEl>
+                                          <p:spTgt spid="3">
+                                            <p:txEl>
+                                              <p:pRg st="3" end="3"/>
+                                            </p:txEl>
+                                          </p:spTgt>
+                                        </p:tgtEl>
+                                        <p:attrNameLst>
+                                          <p:attrName>style.visibility</p:attrName>
+                                        </p:attrNameLst>
+                                      </p:cBhvr>
+                                      <p:to>
+                                        <p:strVal val="visible"/>
+                                      </p:to>
+                                    </p:set>
+                                  </p:childTnLst>
+                                </p:cTn>
+                              </p:par>
+                              <p:par>
+                                <p:cTn id="19" presetID="1" presetClass="entr" presetSubtype="0" fill="hold" grpId="0" nodeType="withEffect">
+                                  <p:stCondLst>
+                                    <p:cond delay="0"/>
+                                  </p:stCondLst>
+                                  <p:childTnLst>
+                                    <p:set>
+                                      <p:cBhvr>
+                                        <p:cTn id="20" dur="1" fill="hold">
+                                          <p:stCondLst>
+                                            <p:cond delay="0"/>
+                                          </p:stCondLst>
+                                        </p:cTn>
+                                        <p:tgtEl>
+                                          <p:spTgt spid="3">
+                                            <p:txEl>
+                                              <p:pRg st="4" end="4"/>
+                                            </p:txEl>
+                                          </p:spTgt>
+                                        </p:tgtEl>
+                                        <p:attrNameLst>
+                                          <p:attrName>style.visibility</p:attrName>
+                                        </p:attrNameLst>
+                                      </p:cBhvr>
+                                      <p:to>
+                                        <p:strVal val="visible"/>
+                                      </p:to>
+                                    </p:set>
+                                  </p:childTnLst>
+                                </p:cTn>
+                              </p:par>
+                            </p:childTnLst>
+                          </p:cTn>
+                        </p:par>
+                      </p:childTnLst>
+                    </p:cTn>
+                  </p:par>
+                </p:childTnLst>
+              </p:cTn>
+              <p:prevCondLst>
+                <p:cond evt="onPrev" delay="0">
+                  <p:tgtEl>
+                    <p:sldTgt/>
+                  </p:tgtEl>
+                </p:cond>
+              </p:prevCondLst>
+              <p:nextCondLst>
+                <p:cond evt="onNext" delay="0">
+                  <p:tgtEl>
+                    <p:sldTgt/>
+                  </p:tgtEl>
+                </p:cond>
+              </p:nextCondLst>
+            </p:seq>
+          </p:childTnLst>
+        </p:cTn>
+      </p:par>
+    </p:tnLst>
+    <p:bldLst>
+      <p:bldP spid="3" grpId="0" build="p"/>
+    </p:bldLst>
+  </p:timing>
 </p:sld>
 </file>
 
@@ -4297,6 +6123,186 @@
   <p:clrMapOvr>
     <a:masterClrMapping/>
   </p:clrMapOvr>
+  <p:timing>
+    <p:tnLst>
+      <p:par>
+        <p:cTn id="1" dur="indefinite" restart="never" nodeType="tmRoot">
+          <p:childTnLst>
+            <p:seq concurrent="1" nextAc="seek">
+              <p:cTn id="2" dur="indefinite" nodeType="mainSeq">
+                <p:childTnLst>
+                  <p:par>
+                    <p:cTn id="3" fill="hold">
+                      <p:stCondLst>
+                        <p:cond delay="indefinite"/>
+                      </p:stCondLst>
+                      <p:childTnLst>
+                        <p:par>
+                          <p:cTn id="4" fill="hold">
+                            <p:stCondLst>
+                              <p:cond delay="0"/>
+                            </p:stCondLst>
+                            <p:childTnLst>
+                              <p:par>
+                                <p:cTn id="5" presetID="1" presetClass="entr" presetSubtype="0" fill="hold" grpId="0" nodeType="clickEffect">
+                                  <p:stCondLst>
+                                    <p:cond delay="0"/>
+                                  </p:stCondLst>
+                                  <p:childTnLst>
+                                    <p:set>
+                                      <p:cBhvr>
+                                        <p:cTn id="6" dur="1" fill="hold">
+                                          <p:stCondLst>
+                                            <p:cond delay="0"/>
+                                          </p:stCondLst>
+                                        </p:cTn>
+                                        <p:tgtEl>
+                                          <p:spTgt spid="3">
+                                            <p:txEl>
+                                              <p:pRg st="0" end="0"/>
+                                            </p:txEl>
+                                          </p:spTgt>
+                                        </p:tgtEl>
+                                        <p:attrNameLst>
+                                          <p:attrName>style.visibility</p:attrName>
+                                        </p:attrNameLst>
+                                      </p:cBhvr>
+                                      <p:to>
+                                        <p:strVal val="visible"/>
+                                      </p:to>
+                                    </p:set>
+                                  </p:childTnLst>
+                                </p:cTn>
+                              </p:par>
+                            </p:childTnLst>
+                          </p:cTn>
+                        </p:par>
+                      </p:childTnLst>
+                    </p:cTn>
+                  </p:par>
+                  <p:par>
+                    <p:cTn id="7" fill="hold">
+                      <p:stCondLst>
+                        <p:cond delay="indefinite"/>
+                      </p:stCondLst>
+                      <p:childTnLst>
+                        <p:par>
+                          <p:cTn id="8" fill="hold">
+                            <p:stCondLst>
+                              <p:cond delay="0"/>
+                            </p:stCondLst>
+                            <p:childTnLst>
+                              <p:par>
+                                <p:cTn id="9" presetID="1" presetClass="entr" presetSubtype="0" fill="hold" grpId="0" nodeType="clickEffect">
+                                  <p:stCondLst>
+                                    <p:cond delay="0"/>
+                                  </p:stCondLst>
+                                  <p:childTnLst>
+                                    <p:set>
+                                      <p:cBhvr>
+                                        <p:cTn id="10" dur="1" fill="hold">
+                                          <p:stCondLst>
+                                            <p:cond delay="0"/>
+                                          </p:stCondLst>
+                                        </p:cTn>
+                                        <p:tgtEl>
+                                          <p:spTgt spid="3">
+                                            <p:txEl>
+                                              <p:pRg st="1" end="1"/>
+                                            </p:txEl>
+                                          </p:spTgt>
+                                        </p:tgtEl>
+                                        <p:attrNameLst>
+                                          <p:attrName>style.visibility</p:attrName>
+                                        </p:attrNameLst>
+                                      </p:cBhvr>
+                                      <p:to>
+                                        <p:strVal val="visible"/>
+                                      </p:to>
+                                    </p:set>
+                                  </p:childTnLst>
+                                </p:cTn>
+                              </p:par>
+                            </p:childTnLst>
+                          </p:cTn>
+                        </p:par>
+                      </p:childTnLst>
+                    </p:cTn>
+                  </p:par>
+                  <p:par>
+                    <p:cTn id="11" fill="hold">
+                      <p:stCondLst>
+                        <p:cond delay="indefinite"/>
+                      </p:stCondLst>
+                      <p:childTnLst>
+                        <p:par>
+                          <p:cTn id="12" fill="hold">
+                            <p:stCondLst>
+                              <p:cond delay="0"/>
+                            </p:stCondLst>
+                            <p:childTnLst>
+                              <p:par>
+                                <p:cTn id="13" presetID="1" presetClass="entr" presetSubtype="0" fill="hold" grpId="0" nodeType="clickEffect">
+                                  <p:stCondLst>
+                                    <p:cond delay="0"/>
+                                  </p:stCondLst>
+                                  <p:childTnLst>
+                                    <p:set>
+                                      <p:cBhvr>
+                                        <p:cTn id="14" dur="1" fill="hold">
+                                          <p:stCondLst>
+                                            <p:cond delay="0"/>
+                                          </p:stCondLst>
+                                        </p:cTn>
+                                        <p:tgtEl>
+                                          <p:spTgt spid="3">
+                                            <p:txEl>
+                                              <p:pRg st="2" end="2"/>
+                                            </p:txEl>
+                                          </p:spTgt>
+                                        </p:tgtEl>
+                                        <p:attrNameLst>
+                                          <p:attrName>style.visibility</p:attrName>
+                                        </p:attrNameLst>
+                                      </p:cBhvr>
+                                      <p:to>
+                                        <p:strVal val="visible"/>
+                                      </p:to>
+                                    </p:set>
+                                  </p:childTnLst>
+                                </p:cTn>
+                              </p:par>
+                            </p:childTnLst>
+                          </p:cTn>
+                        </p:par>
+                      </p:childTnLst>
+                    </p:cTn>
+                  </p:par>
+                </p:childTnLst>
+              </p:cTn>
+              <p:prevCondLst>
+                <p:cond evt="onPrev" delay="0">
+                  <p:tgtEl>
+                    <p:sldTgt/>
+                  </p:tgtEl>
+                </p:cond>
+              </p:prevCondLst>
+              <p:nextCondLst>
+                <p:cond evt="onNext" delay="0">
+                  <p:tgtEl>
+                    <p:sldTgt/>
+                  </p:tgtEl>
+                </p:cond>
+              </p:nextCondLst>
+            </p:seq>
+          </p:childTnLst>
+        </p:cTn>
+      </p:par>
+    </p:tnLst>
+    <p:bldLst>
+      <p:bldP spid="3" grpId="0" build="p"/>
+    </p:bldLst>
+  </p:timing>
 </p:sld>
 </file>
 
@@ -4423,6 +6429,230 @@
   <p:clrMapOvr>
     <a:masterClrMapping/>
   </p:clrMapOvr>
+  <p:timing>
+    <p:tnLst>
+      <p:par>
+        <p:cTn id="1" dur="indefinite" restart="never" nodeType="tmRoot">
+          <p:childTnLst>
+            <p:seq concurrent="1" nextAc="seek">
+              <p:cTn id="2" dur="indefinite" nodeType="mainSeq">
+                <p:childTnLst>
+                  <p:par>
+                    <p:cTn id="3" fill="hold">
+                      <p:stCondLst>
+                        <p:cond delay="indefinite"/>
+                      </p:stCondLst>
+                      <p:childTnLst>
+                        <p:par>
+                          <p:cTn id="4" fill="hold">
+                            <p:stCondLst>
+                              <p:cond delay="0"/>
+                            </p:stCondLst>
+                            <p:childTnLst>
+                              <p:par>
+                                <p:cTn id="5" presetID="1" presetClass="entr" presetSubtype="0" fill="hold" grpId="0" nodeType="clickEffect">
+                                  <p:stCondLst>
+                                    <p:cond delay="0"/>
+                                  </p:stCondLst>
+                                  <p:childTnLst>
+                                    <p:set>
+                                      <p:cBhvr>
+                                        <p:cTn id="6" dur="1" fill="hold">
+                                          <p:stCondLst>
+                                            <p:cond delay="0"/>
+                                          </p:stCondLst>
+                                        </p:cTn>
+                                        <p:tgtEl>
+                                          <p:spTgt spid="3">
+                                            <p:txEl>
+                                              <p:pRg st="0" end="0"/>
+                                            </p:txEl>
+                                          </p:spTgt>
+                                        </p:tgtEl>
+                                        <p:attrNameLst>
+                                          <p:attrName>style.visibility</p:attrName>
+                                        </p:attrNameLst>
+                                      </p:cBhvr>
+                                      <p:to>
+                                        <p:strVal val="visible"/>
+                                      </p:to>
+                                    </p:set>
+                                  </p:childTnLst>
+                                </p:cTn>
+                              </p:par>
+                              <p:par>
+                                <p:cTn id="7" presetID="1" presetClass="entr" presetSubtype="0" fill="hold" grpId="0" nodeType="withEffect">
+                                  <p:stCondLst>
+                                    <p:cond delay="0"/>
+                                  </p:stCondLst>
+                                  <p:childTnLst>
+                                    <p:set>
+                                      <p:cBhvr>
+                                        <p:cTn id="8" dur="1" fill="hold">
+                                          <p:stCondLst>
+                                            <p:cond delay="0"/>
+                                          </p:stCondLst>
+                                        </p:cTn>
+                                        <p:tgtEl>
+                                          <p:spTgt spid="3">
+                                            <p:txEl>
+                                              <p:pRg st="1" end="1"/>
+                                            </p:txEl>
+                                          </p:spTgt>
+                                        </p:tgtEl>
+                                        <p:attrNameLst>
+                                          <p:attrName>style.visibility</p:attrName>
+                                        </p:attrNameLst>
+                                      </p:cBhvr>
+                                      <p:to>
+                                        <p:strVal val="visible"/>
+                                      </p:to>
+                                    </p:set>
+                                  </p:childTnLst>
+                                </p:cTn>
+                              </p:par>
+                              <p:par>
+                                <p:cTn id="9" presetID="1" presetClass="entr" presetSubtype="0" fill="hold" grpId="0" nodeType="withEffect">
+                                  <p:stCondLst>
+                                    <p:cond delay="0"/>
+                                  </p:stCondLst>
+                                  <p:childTnLst>
+                                    <p:set>
+                                      <p:cBhvr>
+                                        <p:cTn id="10" dur="1" fill="hold">
+                                          <p:stCondLst>
+                                            <p:cond delay="0"/>
+                                          </p:stCondLst>
+                                        </p:cTn>
+                                        <p:tgtEl>
+                                          <p:spTgt spid="3">
+                                            <p:txEl>
+                                              <p:pRg st="2" end="2"/>
+                                            </p:txEl>
+                                          </p:spTgt>
+                                        </p:tgtEl>
+                                        <p:attrNameLst>
+                                          <p:attrName>style.visibility</p:attrName>
+                                        </p:attrNameLst>
+                                      </p:cBhvr>
+                                      <p:to>
+                                        <p:strVal val="visible"/>
+                                      </p:to>
+                                    </p:set>
+                                  </p:childTnLst>
+                                </p:cTn>
+                              </p:par>
+                              <p:par>
+                                <p:cTn id="11" presetID="1" presetClass="entr" presetSubtype="0" fill="hold" grpId="0" nodeType="withEffect">
+                                  <p:stCondLst>
+                                    <p:cond delay="0"/>
+                                  </p:stCondLst>
+                                  <p:childTnLst>
+                                    <p:set>
+                                      <p:cBhvr>
+                                        <p:cTn id="12" dur="1" fill="hold">
+                                          <p:stCondLst>
+                                            <p:cond delay="0"/>
+                                          </p:stCondLst>
+                                        </p:cTn>
+                                        <p:tgtEl>
+                                          <p:spTgt spid="3">
+                                            <p:txEl>
+                                              <p:pRg st="3" end="3"/>
+                                            </p:txEl>
+                                          </p:spTgt>
+                                        </p:tgtEl>
+                                        <p:attrNameLst>
+                                          <p:attrName>style.visibility</p:attrName>
+                                        </p:attrNameLst>
+                                      </p:cBhvr>
+                                      <p:to>
+                                        <p:strVal val="visible"/>
+                                      </p:to>
+                                    </p:set>
+                                  </p:childTnLst>
+                                </p:cTn>
+                              </p:par>
+                            </p:childTnLst>
+                          </p:cTn>
+                        </p:par>
+                      </p:childTnLst>
+                    </p:cTn>
+                  </p:par>
+                  <p:par>
+                    <p:cTn id="13" fill="hold">
+                      <p:stCondLst>
+                        <p:cond delay="indefinite"/>
+                      </p:stCondLst>
+                      <p:childTnLst>
+                        <p:par>
+                          <p:cTn id="14" fill="hold">
+                            <p:stCondLst>
+                              <p:cond delay="0"/>
+                            </p:stCondLst>
+                            <p:childTnLst>
+                              <p:par>
+                                <p:cTn id="15" presetID="1" presetClass="entr" presetSubtype="0" fill="hold" grpId="0" nodeType="clickEffect">
+                                  <p:stCondLst>
+                                    <p:cond delay="0"/>
+                                  </p:stCondLst>
+                                  <p:childTnLst>
+                                    <p:set>
+                                      <p:cBhvr>
+                                        <p:cTn id="16" dur="1" fill="hold">
+                                          <p:stCondLst>
+                                            <p:cond delay="0"/>
+                                          </p:stCondLst>
+                                        </p:cTn>
+                                        <p:tgtEl>
+                                          <p:spTgt spid="3">
+                                            <p:txEl>
+                                              <p:pRg st="4" end="4"/>
+                                            </p:txEl>
+                                          </p:spTgt>
+                                        </p:tgtEl>
+                                        <p:attrNameLst>
+                                          <p:attrName>style.visibility</p:attrName>
+                                        </p:attrNameLst>
+                                      </p:cBhvr>
+                                      <p:to>
+                                        <p:strVal val="visible"/>
+                                      </p:to>
+                                    </p:set>
+                                  </p:childTnLst>
+                                </p:cTn>
+                              </p:par>
+                            </p:childTnLst>
+                          </p:cTn>
+                        </p:par>
+                      </p:childTnLst>
+                    </p:cTn>
+                  </p:par>
+                </p:childTnLst>
+              </p:cTn>
+              <p:prevCondLst>
+                <p:cond evt="onPrev" delay="0">
+                  <p:tgtEl>
+                    <p:sldTgt/>
+                  </p:tgtEl>
+                </p:cond>
+              </p:prevCondLst>
+              <p:nextCondLst>
+                <p:cond evt="onNext" delay="0">
+                  <p:tgtEl>
+                    <p:sldTgt/>
+                  </p:tgtEl>
+                </p:cond>
+              </p:nextCondLst>
+            </p:seq>
+          </p:childTnLst>
+        </p:cTn>
+      </p:par>
+    </p:tnLst>
+    <p:bldLst>
+      <p:bldP spid="3" grpId="0" build="p"/>
+    </p:bldLst>
+  </p:timing>
 </p:sld>
 </file>
 
@@ -4569,6 +6799,88 @@
   <p:clrMapOvr>
     <a:masterClrMapping/>
   </p:clrMapOvr>
+  <p:timing>
+    <p:tnLst>
+      <p:par>
+        <p:cTn id="1" dur="indefinite" restart="never" nodeType="tmRoot">
+          <p:childTnLst>
+            <p:seq concurrent="1" nextAc="seek">
+              <p:cTn id="2" dur="indefinite" nodeType="mainSeq">
+                <p:childTnLst>
+                  <p:par>
+                    <p:cTn id="3" fill="hold">
+                      <p:stCondLst>
+                        <p:cond delay="indefinite"/>
+                      </p:stCondLst>
+                      <p:childTnLst>
+                        <p:par>
+                          <p:cTn id="4" fill="hold">
+                            <p:stCondLst>
+                              <p:cond delay="0"/>
+                            </p:stCondLst>
+                            <p:childTnLst>
+                              <p:par>
+                                <p:cTn id="5" presetID="1" presetClass="entr" presetSubtype="0" fill="hold" grpId="0" nodeType="clickEffect">
+                                  <p:stCondLst>
+                                    <p:cond delay="0"/>
+                                  </p:stCondLst>
+                                  <p:childTnLst>
+                                    <p:set>
+                                      <p:cBhvr>
+                                        <p:cTn id="6" dur="1" fill="hold">
+                                          <p:stCondLst>
+                                            <p:cond delay="0"/>
+                                          </p:stCondLst>
+                                        </p:cTn>
+                                        <p:tgtEl>
+                                          <p:spTgt spid="3">
+                                            <p:txEl>
+                                              <p:pRg st="0" end="0"/>
+                                            </p:txEl>
+                                          </p:spTgt>
+                                        </p:tgtEl>
+                                        <p:attrNameLst>
+                                          <p:attrName>style.visibility</p:attrName>
+                                        </p:attrNameLst>
+                                      </p:cBhvr>
+                                      <p:to>
+                                        <p:strVal val="visible"/>
+                                      </p:to>
+                                    </p:set>
+                                  </p:childTnLst>
+                                </p:cTn>
+                              </p:par>
+                            </p:childTnLst>
+                          </p:cTn>
+                        </p:par>
+                      </p:childTnLst>
+                    </p:cTn>
+                  </p:par>
+                </p:childTnLst>
+              </p:cTn>
+              <p:prevCondLst>
+                <p:cond evt="onPrev" delay="0">
+                  <p:tgtEl>
+                    <p:sldTgt/>
+                  </p:tgtEl>
+                </p:cond>
+              </p:prevCondLst>
+              <p:nextCondLst>
+                <p:cond evt="onNext" delay="0">
+                  <p:tgtEl>
+                    <p:sldTgt/>
+                  </p:tgtEl>
+                </p:cond>
+              </p:nextCondLst>
+            </p:seq>
+          </p:childTnLst>
+        </p:cTn>
+      </p:par>
+    </p:tnLst>
+    <p:bldLst>
+      <p:bldP spid="3" grpId="0" build="p"/>
+    </p:bldLst>
+  </p:timing>
 </p:sld>
 </file>
 
@@ -4689,6 +7001,297 @@
   <p:clrMapOvr>
     <a:masterClrMapping/>
   </p:clrMapOvr>
+  <p:timing>
+    <p:tnLst>
+      <p:par>
+        <p:cTn id="1" dur="indefinite" restart="never" nodeType="tmRoot">
+          <p:childTnLst>
+            <p:seq concurrent="1" nextAc="seek">
+              <p:cTn id="2" dur="indefinite" nodeType="mainSeq">
+                <p:childTnLst>
+                  <p:par>
+                    <p:cTn id="3" fill="hold">
+                      <p:stCondLst>
+                        <p:cond delay="indefinite"/>
+                      </p:stCondLst>
+                      <p:childTnLst>
+                        <p:par>
+                          <p:cTn id="4" fill="hold">
+                            <p:stCondLst>
+                              <p:cond delay="0"/>
+                            </p:stCondLst>
+                            <p:childTnLst>
+                              <p:par>
+                                <p:cTn id="5" presetID="1" presetClass="entr" presetSubtype="0" fill="hold" grpId="0" nodeType="clickEffect">
+                                  <p:stCondLst>
+                                    <p:cond delay="0"/>
+                                  </p:stCondLst>
+                                  <p:childTnLst>
+                                    <p:set>
+                                      <p:cBhvr>
+                                        <p:cTn id="6" dur="1" fill="hold">
+                                          <p:stCondLst>
+                                            <p:cond delay="0"/>
+                                          </p:stCondLst>
+                                        </p:cTn>
+                                        <p:tgtEl>
+                                          <p:spTgt spid="3">
+                                            <p:txEl>
+                                              <p:pRg st="0" end="0"/>
+                                            </p:txEl>
+                                          </p:spTgt>
+                                        </p:tgtEl>
+                                        <p:attrNameLst>
+                                          <p:attrName>style.visibility</p:attrName>
+                                        </p:attrNameLst>
+                                      </p:cBhvr>
+                                      <p:to>
+                                        <p:strVal val="visible"/>
+                                      </p:to>
+                                    </p:set>
+                                  </p:childTnLst>
+                                </p:cTn>
+                              </p:par>
+                            </p:childTnLst>
+                          </p:cTn>
+                        </p:par>
+                      </p:childTnLst>
+                    </p:cTn>
+                  </p:par>
+                  <p:par>
+                    <p:cTn id="7" fill="hold">
+                      <p:stCondLst>
+                        <p:cond delay="indefinite"/>
+                      </p:stCondLst>
+                      <p:childTnLst>
+                        <p:par>
+                          <p:cTn id="8" fill="hold">
+                            <p:stCondLst>
+                              <p:cond delay="0"/>
+                            </p:stCondLst>
+                            <p:childTnLst>
+                              <p:par>
+                                <p:cTn id="9" presetID="1" presetClass="entr" presetSubtype="0" fill="hold" grpId="0" nodeType="clickEffect">
+                                  <p:stCondLst>
+                                    <p:cond delay="0"/>
+                                  </p:stCondLst>
+                                  <p:childTnLst>
+                                    <p:set>
+                                      <p:cBhvr>
+                                        <p:cTn id="10" dur="1" fill="hold">
+                                          <p:stCondLst>
+                                            <p:cond delay="0"/>
+                                          </p:stCondLst>
+                                        </p:cTn>
+                                        <p:tgtEl>
+                                          <p:spTgt spid="3">
+                                            <p:txEl>
+                                              <p:pRg st="1" end="1"/>
+                                            </p:txEl>
+                                          </p:spTgt>
+                                        </p:tgtEl>
+                                        <p:attrNameLst>
+                                          <p:attrName>style.visibility</p:attrName>
+                                        </p:attrNameLst>
+                                      </p:cBhvr>
+                                      <p:to>
+                                        <p:strVal val="visible"/>
+                                      </p:to>
+                                    </p:set>
+                                  </p:childTnLst>
+                                </p:cTn>
+                              </p:par>
+                            </p:childTnLst>
+                          </p:cTn>
+                        </p:par>
+                      </p:childTnLst>
+                    </p:cTn>
+                  </p:par>
+                  <p:par>
+                    <p:cTn id="11" fill="hold">
+                      <p:stCondLst>
+                        <p:cond delay="indefinite"/>
+                      </p:stCondLst>
+                      <p:childTnLst>
+                        <p:par>
+                          <p:cTn id="12" fill="hold">
+                            <p:stCondLst>
+                              <p:cond delay="0"/>
+                            </p:stCondLst>
+                            <p:childTnLst>
+                              <p:par>
+                                <p:cTn id="13" presetID="1" presetClass="entr" presetSubtype="0" fill="hold" grpId="0" nodeType="clickEffect">
+                                  <p:stCondLst>
+                                    <p:cond delay="0"/>
+                                  </p:stCondLst>
+                                  <p:childTnLst>
+                                    <p:set>
+                                      <p:cBhvr>
+                                        <p:cTn id="14" dur="1" fill="hold">
+                                          <p:stCondLst>
+                                            <p:cond delay="0"/>
+                                          </p:stCondLst>
+                                        </p:cTn>
+                                        <p:tgtEl>
+                                          <p:spTgt spid="3">
+                                            <p:txEl>
+                                              <p:pRg st="2" end="2"/>
+                                            </p:txEl>
+                                          </p:spTgt>
+                                        </p:tgtEl>
+                                        <p:attrNameLst>
+                                          <p:attrName>style.visibility</p:attrName>
+                                        </p:attrNameLst>
+                                      </p:cBhvr>
+                                      <p:to>
+                                        <p:strVal val="visible"/>
+                                      </p:to>
+                                    </p:set>
+                                  </p:childTnLst>
+                                </p:cTn>
+                              </p:par>
+                              <p:par>
+                                <p:cTn id="15" presetID="1" presetClass="entr" presetSubtype="0" fill="hold" grpId="0" nodeType="withEffect">
+                                  <p:stCondLst>
+                                    <p:cond delay="0"/>
+                                  </p:stCondLst>
+                                  <p:childTnLst>
+                                    <p:set>
+                                      <p:cBhvr>
+                                        <p:cTn id="16" dur="1" fill="hold">
+                                          <p:stCondLst>
+                                            <p:cond delay="0"/>
+                                          </p:stCondLst>
+                                        </p:cTn>
+                                        <p:tgtEl>
+                                          <p:spTgt spid="3">
+                                            <p:txEl>
+                                              <p:pRg st="3" end="3"/>
+                                            </p:txEl>
+                                          </p:spTgt>
+                                        </p:tgtEl>
+                                        <p:attrNameLst>
+                                          <p:attrName>style.visibility</p:attrName>
+                                        </p:attrNameLst>
+                                      </p:cBhvr>
+                                      <p:to>
+                                        <p:strVal val="visible"/>
+                                      </p:to>
+                                    </p:set>
+                                  </p:childTnLst>
+                                </p:cTn>
+                              </p:par>
+                            </p:childTnLst>
+                          </p:cTn>
+                        </p:par>
+                      </p:childTnLst>
+                    </p:cTn>
+                  </p:par>
+                  <p:par>
+                    <p:cTn id="17" fill="hold">
+                      <p:stCondLst>
+                        <p:cond delay="indefinite"/>
+                      </p:stCondLst>
+                      <p:childTnLst>
+                        <p:par>
+                          <p:cTn id="18" fill="hold">
+                            <p:stCondLst>
+                              <p:cond delay="0"/>
+                            </p:stCondLst>
+                            <p:childTnLst>
+                              <p:par>
+                                <p:cTn id="19" presetID="1" presetClass="entr" presetSubtype="0" fill="hold" grpId="0" nodeType="clickEffect">
+                                  <p:stCondLst>
+                                    <p:cond delay="0"/>
+                                  </p:stCondLst>
+                                  <p:childTnLst>
+                                    <p:set>
+                                      <p:cBhvr>
+                                        <p:cTn id="20" dur="1" fill="hold">
+                                          <p:stCondLst>
+                                            <p:cond delay="0"/>
+                                          </p:stCondLst>
+                                        </p:cTn>
+                                        <p:tgtEl>
+                                          <p:spTgt spid="3">
+                                            <p:txEl>
+                                              <p:pRg st="4" end="4"/>
+                                            </p:txEl>
+                                          </p:spTgt>
+                                        </p:tgtEl>
+                                        <p:attrNameLst>
+                                          <p:attrName>style.visibility</p:attrName>
+                                        </p:attrNameLst>
+                                      </p:cBhvr>
+                                      <p:to>
+                                        <p:strVal val="visible"/>
+                                      </p:to>
+                                    </p:set>
+                                  </p:childTnLst>
+                                </p:cTn>
+                              </p:par>
+                              <p:par>
+                                <p:cTn id="21" presetID="1" presetClass="entr" presetSubtype="0" fill="hold" grpId="0" nodeType="withEffect">
+                                  <p:stCondLst>
+                                    <p:cond delay="0"/>
+                                  </p:stCondLst>
+                                  <p:childTnLst>
+                                    <p:set>
+                                      <p:cBhvr>
+                                        <p:cTn id="22" dur="1" fill="hold">
+                                          <p:stCondLst>
+                                            <p:cond delay="0"/>
+                                          </p:stCondLst>
+                                        </p:cTn>
+                                        <p:tgtEl>
+                                          <p:spTgt spid="3">
+                                            <p:txEl>
+                                              <p:pRg st="5" end="5"/>
+                                            </p:txEl>
+                                          </p:spTgt>
+                                        </p:tgtEl>
+                                        <p:attrNameLst>
+                                          <p:attrName>style.visibility</p:attrName>
+                                        </p:attrNameLst>
+                                      </p:cBhvr>
+                                      <p:to>
+                                        <p:strVal val="visible"/>
+                                      </p:to>
+                                    </p:set>
+                                  </p:childTnLst>
+                                </p:cTn>
+                              </p:par>
+                            </p:childTnLst>
+                          </p:cTn>
+                        </p:par>
+                      </p:childTnLst>
+                    </p:cTn>
+                  </p:par>
+                </p:childTnLst>
+              </p:cTn>
+              <p:prevCondLst>
+                <p:cond evt="onPrev" delay="0">
+                  <p:tgtEl>
+                    <p:sldTgt/>
+                  </p:tgtEl>
+                </p:cond>
+              </p:prevCondLst>
+              <p:nextCondLst>
+                <p:cond evt="onNext" delay="0">
+                  <p:tgtEl>
+                    <p:sldTgt/>
+                  </p:tgtEl>
+                </p:cond>
+              </p:nextCondLst>
+            </p:seq>
+          </p:childTnLst>
+        </p:cTn>
+      </p:par>
+    </p:tnLst>
+    <p:bldLst>
+      <p:bldP spid="3" grpId="0" build="p"/>
+    </p:bldLst>
+  </p:timing>
 </p:sld>
 </file>
 
@@ -4819,6 +7422,292 @@
   <p:clrMapOvr>
     <a:masterClrMapping/>
   </p:clrMapOvr>
+  <p:timing>
+    <p:tnLst>
+      <p:par>
+        <p:cTn id="1" dur="indefinite" restart="never" nodeType="tmRoot">
+          <p:childTnLst>
+            <p:seq concurrent="1" nextAc="seek">
+              <p:cTn id="2" dur="indefinite" nodeType="mainSeq">
+                <p:childTnLst>
+                  <p:par>
+                    <p:cTn id="3" fill="hold">
+                      <p:stCondLst>
+                        <p:cond delay="indefinite"/>
+                      </p:stCondLst>
+                      <p:childTnLst>
+                        <p:par>
+                          <p:cTn id="4" fill="hold">
+                            <p:stCondLst>
+                              <p:cond delay="0"/>
+                            </p:stCondLst>
+                            <p:childTnLst>
+                              <p:par>
+                                <p:cTn id="5" presetID="1" presetClass="entr" presetSubtype="0" fill="hold" grpId="0" nodeType="clickEffect">
+                                  <p:stCondLst>
+                                    <p:cond delay="0"/>
+                                  </p:stCondLst>
+                                  <p:childTnLst>
+                                    <p:set>
+                                      <p:cBhvr>
+                                        <p:cTn id="6" dur="1" fill="hold">
+                                          <p:stCondLst>
+                                            <p:cond delay="0"/>
+                                          </p:stCondLst>
+                                        </p:cTn>
+                                        <p:tgtEl>
+                                          <p:spTgt spid="3">
+                                            <p:txEl>
+                                              <p:pRg st="0" end="0"/>
+                                            </p:txEl>
+                                          </p:spTgt>
+                                        </p:tgtEl>
+                                        <p:attrNameLst>
+                                          <p:attrName>style.visibility</p:attrName>
+                                        </p:attrNameLst>
+                                      </p:cBhvr>
+                                      <p:to>
+                                        <p:strVal val="visible"/>
+                                      </p:to>
+                                    </p:set>
+                                  </p:childTnLst>
+                                </p:cTn>
+                              </p:par>
+                              <p:par>
+                                <p:cTn id="7" presetID="1" presetClass="entr" presetSubtype="0" fill="hold" grpId="0" nodeType="withEffect">
+                                  <p:stCondLst>
+                                    <p:cond delay="0"/>
+                                  </p:stCondLst>
+                                  <p:childTnLst>
+                                    <p:set>
+                                      <p:cBhvr>
+                                        <p:cTn id="8" dur="1" fill="hold">
+                                          <p:stCondLst>
+                                            <p:cond delay="0"/>
+                                          </p:stCondLst>
+                                        </p:cTn>
+                                        <p:tgtEl>
+                                          <p:spTgt spid="3">
+                                            <p:txEl>
+                                              <p:pRg st="1" end="1"/>
+                                            </p:txEl>
+                                          </p:spTgt>
+                                        </p:tgtEl>
+                                        <p:attrNameLst>
+                                          <p:attrName>style.visibility</p:attrName>
+                                        </p:attrNameLst>
+                                      </p:cBhvr>
+                                      <p:to>
+                                        <p:strVal val="visible"/>
+                                      </p:to>
+                                    </p:set>
+                                  </p:childTnLst>
+                                </p:cTn>
+                              </p:par>
+                              <p:par>
+                                <p:cTn id="9" presetID="1" presetClass="entr" presetSubtype="0" fill="hold" grpId="0" nodeType="withEffect">
+                                  <p:stCondLst>
+                                    <p:cond delay="0"/>
+                                  </p:stCondLst>
+                                  <p:childTnLst>
+                                    <p:set>
+                                      <p:cBhvr>
+                                        <p:cTn id="10" dur="1" fill="hold">
+                                          <p:stCondLst>
+                                            <p:cond delay="0"/>
+                                          </p:stCondLst>
+                                        </p:cTn>
+                                        <p:tgtEl>
+                                          <p:spTgt spid="3">
+                                            <p:txEl>
+                                              <p:pRg st="2" end="2"/>
+                                            </p:txEl>
+                                          </p:spTgt>
+                                        </p:tgtEl>
+                                        <p:attrNameLst>
+                                          <p:attrName>style.visibility</p:attrName>
+                                        </p:attrNameLst>
+                                      </p:cBhvr>
+                                      <p:to>
+                                        <p:strVal val="visible"/>
+                                      </p:to>
+                                    </p:set>
+                                  </p:childTnLst>
+                                </p:cTn>
+                              </p:par>
+                              <p:par>
+                                <p:cTn id="11" presetID="1" presetClass="entr" presetSubtype="0" fill="hold" grpId="0" nodeType="withEffect">
+                                  <p:stCondLst>
+                                    <p:cond delay="0"/>
+                                  </p:stCondLst>
+                                  <p:childTnLst>
+                                    <p:set>
+                                      <p:cBhvr>
+                                        <p:cTn id="12" dur="1" fill="hold">
+                                          <p:stCondLst>
+                                            <p:cond delay="0"/>
+                                          </p:stCondLst>
+                                        </p:cTn>
+                                        <p:tgtEl>
+                                          <p:spTgt spid="3">
+                                            <p:txEl>
+                                              <p:pRg st="3" end="3"/>
+                                            </p:txEl>
+                                          </p:spTgt>
+                                        </p:tgtEl>
+                                        <p:attrNameLst>
+                                          <p:attrName>style.visibility</p:attrName>
+                                        </p:attrNameLst>
+                                      </p:cBhvr>
+                                      <p:to>
+                                        <p:strVal val="visible"/>
+                                      </p:to>
+                                    </p:set>
+                                  </p:childTnLst>
+                                </p:cTn>
+                              </p:par>
+                            </p:childTnLst>
+                          </p:cTn>
+                        </p:par>
+                      </p:childTnLst>
+                    </p:cTn>
+                  </p:par>
+                  <p:par>
+                    <p:cTn id="13" fill="hold">
+                      <p:stCondLst>
+                        <p:cond delay="indefinite"/>
+                      </p:stCondLst>
+                      <p:childTnLst>
+                        <p:par>
+                          <p:cTn id="14" fill="hold">
+                            <p:stCondLst>
+                              <p:cond delay="0"/>
+                            </p:stCondLst>
+                            <p:childTnLst>
+                              <p:par>
+                                <p:cTn id="15" presetID="1" presetClass="entr" presetSubtype="0" fill="hold" grpId="0" nodeType="clickEffect">
+                                  <p:stCondLst>
+                                    <p:cond delay="0"/>
+                                  </p:stCondLst>
+                                  <p:childTnLst>
+                                    <p:set>
+                                      <p:cBhvr>
+                                        <p:cTn id="16" dur="1" fill="hold">
+                                          <p:stCondLst>
+                                            <p:cond delay="0"/>
+                                          </p:stCondLst>
+                                        </p:cTn>
+                                        <p:tgtEl>
+                                          <p:spTgt spid="3">
+                                            <p:txEl>
+                                              <p:pRg st="4" end="4"/>
+                                            </p:txEl>
+                                          </p:spTgt>
+                                        </p:tgtEl>
+                                        <p:attrNameLst>
+                                          <p:attrName>style.visibility</p:attrName>
+                                        </p:attrNameLst>
+                                      </p:cBhvr>
+                                      <p:to>
+                                        <p:strVal val="visible"/>
+                                      </p:to>
+                                    </p:set>
+                                  </p:childTnLst>
+                                </p:cTn>
+                              </p:par>
+                              <p:par>
+                                <p:cTn id="17" presetID="1" presetClass="entr" presetSubtype="0" fill="hold" grpId="0" nodeType="withEffect">
+                                  <p:stCondLst>
+                                    <p:cond delay="0"/>
+                                  </p:stCondLst>
+                                  <p:childTnLst>
+                                    <p:set>
+                                      <p:cBhvr>
+                                        <p:cTn id="18" dur="1" fill="hold">
+                                          <p:stCondLst>
+                                            <p:cond delay="0"/>
+                                          </p:stCondLst>
+                                        </p:cTn>
+                                        <p:tgtEl>
+                                          <p:spTgt spid="3">
+                                            <p:txEl>
+                                              <p:pRg st="5" end="5"/>
+                                            </p:txEl>
+                                          </p:spTgt>
+                                        </p:tgtEl>
+                                        <p:attrNameLst>
+                                          <p:attrName>style.visibility</p:attrName>
+                                        </p:attrNameLst>
+                                      </p:cBhvr>
+                                      <p:to>
+                                        <p:strVal val="visible"/>
+                                      </p:to>
+                                    </p:set>
+                                  </p:childTnLst>
+                                </p:cTn>
+                              </p:par>
+                              <p:par>
+                                <p:cTn id="19" presetID="1" presetClass="entr" presetSubtype="0" fill="hold" grpId="0" nodeType="withEffect">
+                                  <p:stCondLst>
+                                    <p:cond delay="0"/>
+                                  </p:stCondLst>
+                                  <p:childTnLst>
+                                    <p:set>
+                                      <p:cBhvr>
+                                        <p:cTn id="20" dur="1" fill="hold">
+                                          <p:stCondLst>
+                                            <p:cond delay="0"/>
+                                          </p:stCondLst>
+                                        </p:cTn>
+                                        <p:tgtEl>
+                                          <p:spTgt spid="3">
+                                            <p:txEl>
+                                              <p:pRg st="6" end="6"/>
+                                            </p:txEl>
+                                          </p:spTgt>
+                                        </p:tgtEl>
+                                        <p:attrNameLst>
+                                          <p:attrName>style.visibility</p:attrName>
+                                        </p:attrNameLst>
+                                      </p:cBhvr>
+                                      <p:to>
+                                        <p:strVal val="visible"/>
+                                      </p:to>
+                                    </p:set>
+                                  </p:childTnLst>
+                                </p:cTn>
+                              </p:par>
+                            </p:childTnLst>
+                          </p:cTn>
+                        </p:par>
+                      </p:childTnLst>
+                    </p:cTn>
+                  </p:par>
+                </p:childTnLst>
+              </p:cTn>
+              <p:prevCondLst>
+                <p:cond evt="onPrev" delay="0">
+                  <p:tgtEl>
+                    <p:sldTgt/>
+                  </p:tgtEl>
+                </p:cond>
+              </p:prevCondLst>
+              <p:nextCondLst>
+                <p:cond evt="onNext" delay="0">
+                  <p:tgtEl>
+                    <p:sldTgt/>
+                  </p:tgtEl>
+                </p:cond>
+              </p:nextCondLst>
+            </p:seq>
+          </p:childTnLst>
+        </p:cTn>
+      </p:par>
+    </p:tnLst>
+    <p:bldLst>
+      <p:bldP spid="3" grpId="0" build="p"/>
+    </p:bldLst>
+  </p:timing>
 </p:sld>
 </file>
 
@@ -4943,6 +7832,88 @@
   <p:clrMapOvr>
     <a:masterClrMapping/>
   </p:clrMapOvr>
+  <p:timing>
+    <p:tnLst>
+      <p:par>
+        <p:cTn id="1" dur="indefinite" restart="never" nodeType="tmRoot">
+          <p:childTnLst>
+            <p:seq concurrent="1" nextAc="seek">
+              <p:cTn id="2" dur="indefinite" nodeType="mainSeq">
+                <p:childTnLst>
+                  <p:par>
+                    <p:cTn id="3" fill="hold">
+                      <p:stCondLst>
+                        <p:cond delay="indefinite"/>
+                      </p:stCondLst>
+                      <p:childTnLst>
+                        <p:par>
+                          <p:cTn id="4" fill="hold">
+                            <p:stCondLst>
+                              <p:cond delay="0"/>
+                            </p:stCondLst>
+                            <p:childTnLst>
+                              <p:par>
+                                <p:cTn id="5" presetID="1" presetClass="entr" presetSubtype="0" fill="hold" grpId="0" nodeType="clickEffect">
+                                  <p:stCondLst>
+                                    <p:cond delay="0"/>
+                                  </p:stCondLst>
+                                  <p:childTnLst>
+                                    <p:set>
+                                      <p:cBhvr>
+                                        <p:cTn id="6" dur="1" fill="hold">
+                                          <p:stCondLst>
+                                            <p:cond delay="0"/>
+                                          </p:stCondLst>
+                                        </p:cTn>
+                                        <p:tgtEl>
+                                          <p:spTgt spid="3">
+                                            <p:txEl>
+                                              <p:pRg st="0" end="0"/>
+                                            </p:txEl>
+                                          </p:spTgt>
+                                        </p:tgtEl>
+                                        <p:attrNameLst>
+                                          <p:attrName>style.visibility</p:attrName>
+                                        </p:attrNameLst>
+                                      </p:cBhvr>
+                                      <p:to>
+                                        <p:strVal val="visible"/>
+                                      </p:to>
+                                    </p:set>
+                                  </p:childTnLst>
+                                </p:cTn>
+                              </p:par>
+                            </p:childTnLst>
+                          </p:cTn>
+                        </p:par>
+                      </p:childTnLst>
+                    </p:cTn>
+                  </p:par>
+                </p:childTnLst>
+              </p:cTn>
+              <p:prevCondLst>
+                <p:cond evt="onPrev" delay="0">
+                  <p:tgtEl>
+                    <p:sldTgt/>
+                  </p:tgtEl>
+                </p:cond>
+              </p:prevCondLst>
+              <p:nextCondLst>
+                <p:cond evt="onNext" delay="0">
+                  <p:tgtEl>
+                    <p:sldTgt/>
+                  </p:tgtEl>
+                </p:cond>
+              </p:nextCondLst>
+            </p:seq>
+          </p:childTnLst>
+        </p:cTn>
+      </p:par>
+    </p:tnLst>
+    <p:bldLst>
+      <p:bldP spid="3" grpId="0" build="p"/>
+    </p:bldLst>
+  </p:timing>
 </p:sld>
 </file>
 
@@ -5083,6 +8054,408 @@
   <p:clrMapOvr>
     <a:masterClrMapping/>
   </p:clrMapOvr>
+  <p:timing>
+    <p:tnLst>
+      <p:par>
+        <p:cTn id="1" dur="indefinite" restart="never" nodeType="tmRoot">
+          <p:childTnLst>
+            <p:seq concurrent="1" nextAc="seek">
+              <p:cTn id="2" dur="indefinite" nodeType="mainSeq">
+                <p:childTnLst>
+                  <p:par>
+                    <p:cTn id="3" fill="hold">
+                      <p:stCondLst>
+                        <p:cond delay="indefinite"/>
+                      </p:stCondLst>
+                      <p:childTnLst>
+                        <p:par>
+                          <p:cTn id="4" fill="hold">
+                            <p:stCondLst>
+                              <p:cond delay="0"/>
+                            </p:stCondLst>
+                            <p:childTnLst>
+                              <p:par>
+                                <p:cTn id="5" presetID="1" presetClass="entr" presetSubtype="0" fill="hold" grpId="0" nodeType="clickEffect">
+                                  <p:stCondLst>
+                                    <p:cond delay="0"/>
+                                  </p:stCondLst>
+                                  <p:childTnLst>
+                                    <p:set>
+                                      <p:cBhvr>
+                                        <p:cTn id="6" dur="1" fill="hold">
+                                          <p:stCondLst>
+                                            <p:cond delay="0"/>
+                                          </p:stCondLst>
+                                        </p:cTn>
+                                        <p:tgtEl>
+                                          <p:spTgt spid="3">
+                                            <p:txEl>
+                                              <p:pRg st="0" end="0"/>
+                                            </p:txEl>
+                                          </p:spTgt>
+                                        </p:tgtEl>
+                                        <p:attrNameLst>
+                                          <p:attrName>style.visibility</p:attrName>
+                                        </p:attrNameLst>
+                                      </p:cBhvr>
+                                      <p:to>
+                                        <p:strVal val="visible"/>
+                                      </p:to>
+                                    </p:set>
+                                  </p:childTnLst>
+                                </p:cTn>
+                              </p:par>
+                            </p:childTnLst>
+                          </p:cTn>
+                        </p:par>
+                      </p:childTnLst>
+                    </p:cTn>
+                  </p:par>
+                  <p:par>
+                    <p:cTn id="7" fill="hold">
+                      <p:stCondLst>
+                        <p:cond delay="indefinite"/>
+                      </p:stCondLst>
+                      <p:childTnLst>
+                        <p:par>
+                          <p:cTn id="8" fill="hold">
+                            <p:stCondLst>
+                              <p:cond delay="0"/>
+                            </p:stCondLst>
+                            <p:childTnLst>
+                              <p:par>
+                                <p:cTn id="9" presetID="1" presetClass="entr" presetSubtype="0" fill="hold" grpId="0" nodeType="clickEffect">
+                                  <p:stCondLst>
+                                    <p:cond delay="0"/>
+                                  </p:stCondLst>
+                                  <p:childTnLst>
+                                    <p:set>
+                                      <p:cBhvr>
+                                        <p:cTn id="10" dur="1" fill="hold">
+                                          <p:stCondLst>
+                                            <p:cond delay="0"/>
+                                          </p:stCondLst>
+                                        </p:cTn>
+                                        <p:tgtEl>
+                                          <p:spTgt spid="3">
+                                            <p:txEl>
+                                              <p:pRg st="1" end="1"/>
+                                            </p:txEl>
+                                          </p:spTgt>
+                                        </p:tgtEl>
+                                        <p:attrNameLst>
+                                          <p:attrName>style.visibility</p:attrName>
+                                        </p:attrNameLst>
+                                      </p:cBhvr>
+                                      <p:to>
+                                        <p:strVal val="visible"/>
+                                      </p:to>
+                                    </p:set>
+                                  </p:childTnLst>
+                                </p:cTn>
+                              </p:par>
+                            </p:childTnLst>
+                          </p:cTn>
+                        </p:par>
+                      </p:childTnLst>
+                    </p:cTn>
+                  </p:par>
+                  <p:par>
+                    <p:cTn id="11" fill="hold">
+                      <p:stCondLst>
+                        <p:cond delay="indefinite"/>
+                      </p:stCondLst>
+                      <p:childTnLst>
+                        <p:par>
+                          <p:cTn id="12" fill="hold">
+                            <p:stCondLst>
+                              <p:cond delay="0"/>
+                            </p:stCondLst>
+                            <p:childTnLst>
+                              <p:par>
+                                <p:cTn id="13" presetID="1" presetClass="entr" presetSubtype="0" fill="hold" grpId="0" nodeType="clickEffect">
+                                  <p:stCondLst>
+                                    <p:cond delay="0"/>
+                                  </p:stCondLst>
+                                  <p:childTnLst>
+                                    <p:set>
+                                      <p:cBhvr>
+                                        <p:cTn id="14" dur="1" fill="hold">
+                                          <p:stCondLst>
+                                            <p:cond delay="0"/>
+                                          </p:stCondLst>
+                                        </p:cTn>
+                                        <p:tgtEl>
+                                          <p:spTgt spid="3">
+                                            <p:txEl>
+                                              <p:pRg st="2" end="2"/>
+                                            </p:txEl>
+                                          </p:spTgt>
+                                        </p:tgtEl>
+                                        <p:attrNameLst>
+                                          <p:attrName>style.visibility</p:attrName>
+                                        </p:attrNameLst>
+                                      </p:cBhvr>
+                                      <p:to>
+                                        <p:strVal val="visible"/>
+                                      </p:to>
+                                    </p:set>
+                                  </p:childTnLst>
+                                </p:cTn>
+                              </p:par>
+                            </p:childTnLst>
+                          </p:cTn>
+                        </p:par>
+                      </p:childTnLst>
+                    </p:cTn>
+                  </p:par>
+                  <p:par>
+                    <p:cTn id="15" fill="hold">
+                      <p:stCondLst>
+                        <p:cond delay="indefinite"/>
+                      </p:stCondLst>
+                      <p:childTnLst>
+                        <p:par>
+                          <p:cTn id="16" fill="hold">
+                            <p:stCondLst>
+                              <p:cond delay="0"/>
+                            </p:stCondLst>
+                            <p:childTnLst>
+                              <p:par>
+                                <p:cTn id="17" presetID="1" presetClass="entr" presetSubtype="0" fill="hold" grpId="0" nodeType="clickEffect">
+                                  <p:stCondLst>
+                                    <p:cond delay="0"/>
+                                  </p:stCondLst>
+                                  <p:childTnLst>
+                                    <p:set>
+                                      <p:cBhvr>
+                                        <p:cTn id="18" dur="1" fill="hold">
+                                          <p:stCondLst>
+                                            <p:cond delay="0"/>
+                                          </p:stCondLst>
+                                        </p:cTn>
+                                        <p:tgtEl>
+                                          <p:spTgt spid="3">
+                                            <p:txEl>
+                                              <p:pRg st="3" end="3"/>
+                                            </p:txEl>
+                                          </p:spTgt>
+                                        </p:tgtEl>
+                                        <p:attrNameLst>
+                                          <p:attrName>style.visibility</p:attrName>
+                                        </p:attrNameLst>
+                                      </p:cBhvr>
+                                      <p:to>
+                                        <p:strVal val="visible"/>
+                                      </p:to>
+                                    </p:set>
+                                  </p:childTnLst>
+                                </p:cTn>
+                              </p:par>
+                              <p:par>
+                                <p:cTn id="19" presetID="1" presetClass="entr" presetSubtype="0" fill="hold" grpId="0" nodeType="withEffect">
+                                  <p:stCondLst>
+                                    <p:cond delay="0"/>
+                                  </p:stCondLst>
+                                  <p:childTnLst>
+                                    <p:set>
+                                      <p:cBhvr>
+                                        <p:cTn id="20" dur="1" fill="hold">
+                                          <p:stCondLst>
+                                            <p:cond delay="0"/>
+                                          </p:stCondLst>
+                                        </p:cTn>
+                                        <p:tgtEl>
+                                          <p:spTgt spid="3">
+                                            <p:txEl>
+                                              <p:pRg st="4" end="4"/>
+                                            </p:txEl>
+                                          </p:spTgt>
+                                        </p:tgtEl>
+                                        <p:attrNameLst>
+                                          <p:attrName>style.visibility</p:attrName>
+                                        </p:attrNameLst>
+                                      </p:cBhvr>
+                                      <p:to>
+                                        <p:strVal val="visible"/>
+                                      </p:to>
+                                    </p:set>
+                                  </p:childTnLst>
+                                </p:cTn>
+                              </p:par>
+                              <p:par>
+                                <p:cTn id="21" presetID="1" presetClass="entr" presetSubtype="0" fill="hold" grpId="0" nodeType="withEffect">
+                                  <p:stCondLst>
+                                    <p:cond delay="0"/>
+                                  </p:stCondLst>
+                                  <p:childTnLst>
+                                    <p:set>
+                                      <p:cBhvr>
+                                        <p:cTn id="22" dur="1" fill="hold">
+                                          <p:stCondLst>
+                                            <p:cond delay="0"/>
+                                          </p:stCondLst>
+                                        </p:cTn>
+                                        <p:tgtEl>
+                                          <p:spTgt spid="3">
+                                            <p:txEl>
+                                              <p:pRg st="5" end="5"/>
+                                            </p:txEl>
+                                          </p:spTgt>
+                                        </p:tgtEl>
+                                        <p:attrNameLst>
+                                          <p:attrName>style.visibility</p:attrName>
+                                        </p:attrNameLst>
+                                      </p:cBhvr>
+                                      <p:to>
+                                        <p:strVal val="visible"/>
+                                      </p:to>
+                                    </p:set>
+                                  </p:childTnLst>
+                                </p:cTn>
+                              </p:par>
+                            </p:childTnLst>
+                          </p:cTn>
+                        </p:par>
+                      </p:childTnLst>
+                    </p:cTn>
+                  </p:par>
+                  <p:par>
+                    <p:cTn id="23" fill="hold">
+                      <p:stCondLst>
+                        <p:cond delay="indefinite"/>
+                      </p:stCondLst>
+                      <p:childTnLst>
+                        <p:par>
+                          <p:cTn id="24" fill="hold">
+                            <p:stCondLst>
+                              <p:cond delay="0"/>
+                            </p:stCondLst>
+                            <p:childTnLst>
+                              <p:par>
+                                <p:cTn id="25" presetID="1" presetClass="entr" presetSubtype="0" fill="hold" grpId="0" nodeType="clickEffect">
+                                  <p:stCondLst>
+                                    <p:cond delay="0"/>
+                                  </p:stCondLst>
+                                  <p:childTnLst>
+                                    <p:set>
+                                      <p:cBhvr>
+                                        <p:cTn id="26" dur="1" fill="hold">
+                                          <p:stCondLst>
+                                            <p:cond delay="0"/>
+                                          </p:stCondLst>
+                                        </p:cTn>
+                                        <p:tgtEl>
+                                          <p:spTgt spid="3">
+                                            <p:txEl>
+                                              <p:pRg st="6" end="6"/>
+                                            </p:txEl>
+                                          </p:spTgt>
+                                        </p:tgtEl>
+                                        <p:attrNameLst>
+                                          <p:attrName>style.visibility</p:attrName>
+                                        </p:attrNameLst>
+                                      </p:cBhvr>
+                                      <p:to>
+                                        <p:strVal val="visible"/>
+                                      </p:to>
+                                    </p:set>
+                                  </p:childTnLst>
+                                </p:cTn>
+                              </p:par>
+                              <p:par>
+                                <p:cTn id="27" presetID="1" presetClass="entr" presetSubtype="0" fill="hold" grpId="0" nodeType="withEffect">
+                                  <p:stCondLst>
+                                    <p:cond delay="0"/>
+                                  </p:stCondLst>
+                                  <p:childTnLst>
+                                    <p:set>
+                                      <p:cBhvr>
+                                        <p:cTn id="28" dur="1" fill="hold">
+                                          <p:stCondLst>
+                                            <p:cond delay="0"/>
+                                          </p:stCondLst>
+                                        </p:cTn>
+                                        <p:tgtEl>
+                                          <p:spTgt spid="3">
+                                            <p:txEl>
+                                              <p:pRg st="7" end="7"/>
+                                            </p:txEl>
+                                          </p:spTgt>
+                                        </p:tgtEl>
+                                        <p:attrNameLst>
+                                          <p:attrName>style.visibility</p:attrName>
+                                        </p:attrNameLst>
+                                      </p:cBhvr>
+                                      <p:to>
+                                        <p:strVal val="visible"/>
+                                      </p:to>
+                                    </p:set>
+                                  </p:childTnLst>
+                                </p:cTn>
+                              </p:par>
+                              <p:par>
+                                <p:cTn id="29" presetID="1" presetClass="entr" presetSubtype="0" fill="hold" grpId="0" nodeType="withEffect">
+                                  <p:stCondLst>
+                                    <p:cond delay="0"/>
+                                  </p:stCondLst>
+                                  <p:childTnLst>
+                                    <p:set>
+                                      <p:cBhvr>
+                                        <p:cTn id="30" dur="1" fill="hold">
+                                          <p:stCondLst>
+                                            <p:cond delay="0"/>
+                                          </p:stCondLst>
+                                        </p:cTn>
+                                        <p:tgtEl>
+                                          <p:spTgt spid="3">
+                                            <p:txEl>
+                                              <p:pRg st="8" end="8"/>
+                                            </p:txEl>
+                                          </p:spTgt>
+                                        </p:tgtEl>
+                                        <p:attrNameLst>
+                                          <p:attrName>style.visibility</p:attrName>
+                                        </p:attrNameLst>
+                                      </p:cBhvr>
+                                      <p:to>
+                                        <p:strVal val="visible"/>
+                                      </p:to>
+                                    </p:set>
+                                  </p:childTnLst>
+                                </p:cTn>
+                              </p:par>
+                            </p:childTnLst>
+                          </p:cTn>
+                        </p:par>
+                      </p:childTnLst>
+                    </p:cTn>
+                  </p:par>
+                </p:childTnLst>
+              </p:cTn>
+              <p:prevCondLst>
+                <p:cond evt="onPrev" delay="0">
+                  <p:tgtEl>
+                    <p:sldTgt/>
+                  </p:tgtEl>
+                </p:cond>
+              </p:prevCondLst>
+              <p:nextCondLst>
+                <p:cond evt="onNext" delay="0">
+                  <p:tgtEl>
+                    <p:sldTgt/>
+                  </p:tgtEl>
+                </p:cond>
+              </p:nextCondLst>
+            </p:seq>
+          </p:childTnLst>
+        </p:cTn>
+      </p:par>
+    </p:tnLst>
+    <p:bldLst>
+      <p:bldP spid="3" grpId="0" build="p"/>
+    </p:bldLst>
+  </p:timing>
 </p:sld>
 </file>
 
@@ -5611,18 +8984,18 @@
 </file>
 
 <file path=customXml/item2.xml><?xml version="1.0" encoding="utf-8"?>
+<p:properties xmlns:p="http://schemas.microsoft.com/office/2006/metadata/properties" xmlns:xsi="http://www.w3.org/2001/XMLSchema-instance" xmlns:pc="http://schemas.microsoft.com/office/infopath/2007/PartnerControls">
+  <documentManagement/>
+</p:properties>
+</file>
+
+<file path=customXml/item3.xml><?xml version="1.0" encoding="utf-8"?>
 <?mso-contentType ?>
 <FormTemplates xmlns="http://schemas.microsoft.com/sharepoint/v3/contenttype/forms">
   <Display>DocumentLibraryForm</Display>
   <Edit>DocumentLibraryForm</Edit>
   <New>DocumentLibraryForm</New>
 </FormTemplates>
-</file>
-
-<file path=customXml/item3.xml><?xml version="1.0" encoding="utf-8"?>
-<p:properties xmlns:p="http://schemas.microsoft.com/office/2006/metadata/properties" xmlns:xsi="http://www.w3.org/2001/XMLSchema-instance" xmlns:pc="http://schemas.microsoft.com/office/infopath/2007/PartnerControls">
-  <documentManagement/>
-</p:properties>
 </file>
 
 <file path=customXml/itemProps1.xml><?xml version="1.0" encoding="utf-8"?>
@@ -5645,26 +9018,26 @@
 </file>
 
 <file path=customXml/itemProps2.xml><?xml version="1.0" encoding="utf-8"?>
+<ds:datastoreItem xmlns:ds="http://schemas.openxmlformats.org/officeDocument/2006/customXml" ds:itemID="{AC902FE6-7EB6-4100-8246-77403C37405F}">
+  <ds:schemaRefs>
+    <ds:schemaRef ds:uri="http://www.w3.org/XML/1998/namespace"/>
+    <ds:schemaRef ds:uri="http://schemas.microsoft.com/office/2006/metadata/properties"/>
+    <ds:schemaRef ds:uri="http://purl.org/dc/dcmitype/"/>
+    <ds:schemaRef ds:uri="cc9255bc-4d99-4f42-bba5-857cbcc6e725"/>
+    <ds:schemaRef ds:uri="http://purl.org/dc/terms/"/>
+    <ds:schemaRef ds:uri="http://schemas.microsoft.com/office/2006/documentManagement/types"/>
+    <ds:schemaRef ds:uri="http://purl.org/dc/elements/1.1/"/>
+    <ds:schemaRef ds:uri="http://schemas.openxmlformats.org/package/2006/metadata/core-properties"/>
+    <ds:schemaRef ds:uri="http://schemas.microsoft.com/office/infopath/2007/PartnerControls"/>
+    <ds:schemaRef ds:uri="fc2bff61-6a31-4c51-9f32-b9bba46405e5"/>
+  </ds:schemaRefs>
+</ds:datastoreItem>
+</file>
+
+<file path=customXml/itemProps3.xml><?xml version="1.0" encoding="utf-8"?>
 <ds:datastoreItem xmlns:ds="http://schemas.openxmlformats.org/officeDocument/2006/customXml" ds:itemID="{6178BD72-EF53-41C8-9782-25DD8E163F58}">
   <ds:schemaRefs>
     <ds:schemaRef ds:uri="http://schemas.microsoft.com/sharepoint/v3/contenttype/forms"/>
   </ds:schemaRefs>
 </ds:datastoreItem>
-</file>
-
-<file path=customXml/itemProps3.xml><?xml version="1.0" encoding="utf-8"?>
-<ds:datastoreItem xmlns:ds="http://schemas.openxmlformats.org/officeDocument/2006/customXml" ds:itemID="{AC902FE6-7EB6-4100-8246-77403C37405F}">
-  <ds:schemaRefs>
-    <ds:schemaRef ds:uri="http://schemas.microsoft.com/office/infopath/2007/PartnerControls"/>
-    <ds:schemaRef ds:uri="http://schemas.microsoft.com/office/2006/documentManagement/types"/>
-    <ds:schemaRef ds:uri="http://purl.org/dc/terms/"/>
-    <ds:schemaRef ds:uri="http://purl.org/dc/elements/1.1/"/>
-    <ds:schemaRef ds:uri="http://www.w3.org/XML/1998/namespace"/>
-    <ds:schemaRef ds:uri="http://schemas.openxmlformats.org/package/2006/metadata/core-properties"/>
-    <ds:schemaRef ds:uri="fc2bff61-6a31-4c51-9f32-b9bba46405e5"/>
-    <ds:schemaRef ds:uri="cc9255bc-4d99-4f42-bba5-857cbcc6e725"/>
-    <ds:schemaRef ds:uri="http://schemas.microsoft.com/office/2006/metadata/properties"/>
-    <ds:schemaRef ds:uri="http://purl.org/dc/dcmitype/"/>
-  </ds:schemaRefs>
-</ds:datastoreItem>
 </file>